--- a/slides/A-01-03-Proofs-Induction.pptx
+++ b/slides/A-01-03-Proofs-Induction.pptx
@@ -5,14 +5,17 @@
     <p:sldMasterId id="2147483649" r:id="rId1"/>
   </p:sldMasterIdLst>
   <p:notesMasterIdLst>
-    <p:notesMasterId r:id="rId4"/>
+    <p:notesMasterId r:id="rId7"/>
   </p:notesMasterIdLst>
   <p:handoutMasterIdLst>
-    <p:handoutMasterId r:id="rId5"/>
+    <p:handoutMasterId r:id="rId8"/>
   </p:handoutMasterIdLst>
   <p:sldIdLst>
     <p:sldId id="258" r:id="rId2"/>
     <p:sldId id="1911" r:id="rId3"/>
+    <p:sldId id="1912" r:id="rId4"/>
+    <p:sldId id="1913" r:id="rId5"/>
+    <p:sldId id="1914" r:id="rId6"/>
   </p:sldIdLst>
   <p:sldSz cx="9144000" cy="6858000" type="screen4x3"/>
   <p:notesSz cx="6858000" cy="9144000"/>
@@ -1131,6 +1134,543 @@
     <p:extLst>
       <p:ext uri="{BB962C8B-B14F-4D97-AF65-F5344CB8AC3E}">
         <p14:creationId xmlns:p14="http://schemas.microsoft.com/office/powerpoint/2010/main" val="2787644252"/>
+      </p:ext>
+    </p:extLst>
+  </p:cSld>
+  <p:clrMapOvr>
+    <a:masterClrMapping/>
+  </p:clrMapOvr>
+</p:notes>
+</file>
+
+<file path=ppt/notesSlides/notesSlide3.xml><?xml version="1.0" encoding="utf-8"?>
+<p:notes xmlns:a="http://schemas.openxmlformats.org/drawingml/2006/main" xmlns:r="http://schemas.openxmlformats.org/officeDocument/2006/relationships" xmlns:p="http://schemas.openxmlformats.org/presentationml/2006/main">
+  <p:cSld>
+    <p:spTree>
+      <p:nvGrpSpPr>
+        <p:cNvPr id="1" name="">
+          <a:extLst>
+            <a:ext uri="{FF2B5EF4-FFF2-40B4-BE49-F238E27FC236}">
+              <a16:creationId xmlns:a16="http://schemas.microsoft.com/office/drawing/2014/main" id="{435E6BAC-FC90-1708-D1B3-B5382B02458F}"/>
+            </a:ext>
+          </a:extLst>
+        </p:cNvPr>
+        <p:cNvGrpSpPr/>
+        <p:nvPr/>
+      </p:nvGrpSpPr>
+      <p:grpSpPr>
+        <a:xfrm>
+          <a:off x="0" y="0"/>
+          <a:ext cx="0" cy="0"/>
+          <a:chOff x="0" y="0"/>
+          <a:chExt cx="0" cy="0"/>
+        </a:xfrm>
+      </p:grpSpPr>
+      <p:sp>
+        <p:nvSpPr>
+          <p:cNvPr id="2" name="Slide Image Placeholder 1">
+            <a:extLst>
+              <a:ext uri="{FF2B5EF4-FFF2-40B4-BE49-F238E27FC236}">
+                <a16:creationId xmlns:a16="http://schemas.microsoft.com/office/drawing/2014/main" id="{922C32B4-A1FD-6B35-D051-67F99D4274CB}"/>
+              </a:ext>
+            </a:extLst>
+          </p:cNvPr>
+          <p:cNvSpPr>
+            <a:spLocks noGrp="1" noRot="1" noChangeAspect="1"/>
+          </p:cNvSpPr>
+          <p:nvPr>
+            <p:ph type="sldImg"/>
+          </p:nvPr>
+        </p:nvSpPr>
+        <p:spPr/>
+      </p:sp>
+      <p:sp>
+        <p:nvSpPr>
+          <p:cNvPr id="3" name="Notes Placeholder 2">
+            <a:extLst>
+              <a:ext uri="{FF2B5EF4-FFF2-40B4-BE49-F238E27FC236}">
+                <a16:creationId xmlns:a16="http://schemas.microsoft.com/office/drawing/2014/main" id="{1A63C863-C581-81FE-8B9D-0C8DA293515B}"/>
+              </a:ext>
+            </a:extLst>
+          </p:cNvPr>
+          <p:cNvSpPr>
+            <a:spLocks noGrp="1"/>
+          </p:cNvSpPr>
+          <p:nvPr>
+            <p:ph type="body" idx="1"/>
+          </p:nvPr>
+        </p:nvSpPr>
+        <p:spPr/>
+        <p:txBody>
+          <a:bodyPr/>
+          <a:lstStyle/>
+          <a:p>
+            <a:r>
+              <a:rPr lang="en-US" dirty="0">
+                <a:latin typeface="Tahoma" panose="020B0604030504040204" pitchFamily="34" charset="0"/>
+                <a:ea typeface="Tahoma" panose="020B0604030504040204" pitchFamily="34" charset="0"/>
+                <a:cs typeface="Tahoma" panose="020B0604030504040204" pitchFamily="34" charset="0"/>
+              </a:rPr>
+              <a:t>The framework that we will be using for this work is HAMR -- a model-driven development tool chain for high assurance embedded systems that emphasizes three layers of development:</a:t>
+            </a:r>
+          </a:p>
+          <a:p>
+            <a:endParaRPr lang="en-US" dirty="0">
+              <a:latin typeface="Tahoma" panose="020B0604030504040204" pitchFamily="34" charset="0"/>
+              <a:ea typeface="Tahoma" panose="020B0604030504040204" pitchFamily="34" charset="0"/>
+              <a:cs typeface="Tahoma" panose="020B0604030504040204" pitchFamily="34" charset="0"/>
+            </a:endParaRPr>
+          </a:p>
+          <a:p>
+            <a:r>
+              <a:rPr lang="en-US" dirty="0">
+                <a:latin typeface="Tahoma" panose="020B0604030504040204" pitchFamily="34" charset="0"/>
+                <a:ea typeface="Tahoma" panose="020B0604030504040204" pitchFamily="34" charset="0"/>
+                <a:cs typeface="Tahoma" panose="020B0604030504040204" pitchFamily="34" charset="0"/>
+              </a:rPr>
+              <a:t>Modeling, analysis and verification in the AADL modeling language, leveraging many tools in the AADL ecosystem</a:t>
+            </a:r>
+          </a:p>
+          <a:p>
+            <a:endParaRPr lang="en-US" dirty="0">
+              <a:latin typeface="Tahoma" panose="020B0604030504040204" pitchFamily="34" charset="0"/>
+              <a:ea typeface="Tahoma" panose="020B0604030504040204" pitchFamily="34" charset="0"/>
+              <a:cs typeface="Tahoma" panose="020B0604030504040204" pitchFamily="34" charset="0"/>
+            </a:endParaRPr>
+          </a:p>
+          <a:p>
+            <a:r>
+              <a:rPr lang="en-US" dirty="0">
+                <a:latin typeface="Tahoma" panose="020B0604030504040204" pitchFamily="34" charset="0"/>
+                <a:ea typeface="Tahoma" panose="020B0604030504040204" pitchFamily="34" charset="0"/>
+                <a:cs typeface="Tahoma" panose="020B0604030504040204" pitchFamily="34" charset="0"/>
+              </a:rPr>
+              <a:t>Development of component application logic in multiple languages include C and Slang (a safety-critical system of Scala with a contract verification framework, which can be translated to C)</a:t>
+            </a:r>
+          </a:p>
+          <a:p>
+            <a:endParaRPr lang="en-US" dirty="0">
+              <a:latin typeface="Tahoma" panose="020B0604030504040204" pitchFamily="34" charset="0"/>
+              <a:ea typeface="Tahoma" panose="020B0604030504040204" pitchFamily="34" charset="0"/>
+              <a:cs typeface="Tahoma" panose="020B0604030504040204" pitchFamily="34" charset="0"/>
+            </a:endParaRPr>
+          </a:p>
+          <a:p>
+            <a:r>
+              <a:rPr lang="en-US" dirty="0">
+                <a:latin typeface="Tahoma" panose="020B0604030504040204" pitchFamily="34" charset="0"/>
+                <a:ea typeface="Tahoma" panose="020B0604030504040204" pitchFamily="34" charset="0"/>
+                <a:cs typeface="Tahoma" panose="020B0604030504040204" pitchFamily="34" charset="0"/>
+              </a:rPr>
+              <a:t>Deployments on multiple platforms including seL4 verified microkernel.</a:t>
+            </a:r>
+          </a:p>
+          <a:p>
+            <a:endParaRPr lang="en-US" dirty="0">
+              <a:latin typeface="Tahoma" panose="020B0604030504040204" pitchFamily="34" charset="0"/>
+              <a:ea typeface="Tahoma" panose="020B0604030504040204" pitchFamily="34" charset="0"/>
+              <a:cs typeface="Tahoma" panose="020B0604030504040204" pitchFamily="34" charset="0"/>
+            </a:endParaRPr>
+          </a:p>
+        </p:txBody>
+      </p:sp>
+      <p:sp>
+        <p:nvSpPr>
+          <p:cNvPr id="4" name="Slide Number Placeholder 3">
+            <a:extLst>
+              <a:ext uri="{FF2B5EF4-FFF2-40B4-BE49-F238E27FC236}">
+                <a16:creationId xmlns:a16="http://schemas.microsoft.com/office/drawing/2014/main" id="{E83F0DAE-B343-0F6B-DC62-C5EC8E063E53}"/>
+              </a:ext>
+            </a:extLst>
+          </p:cNvPr>
+          <p:cNvSpPr>
+            <a:spLocks noGrp="1"/>
+          </p:cNvSpPr>
+          <p:nvPr>
+            <p:ph type="sldNum" sz="quarter" idx="5"/>
+          </p:nvPr>
+        </p:nvSpPr>
+        <p:spPr/>
+        <p:txBody>
+          <a:bodyPr/>
+          <a:lstStyle/>
+          <a:p>
+            <a:pPr>
+              <a:defRPr/>
+            </a:pPr>
+            <a:fld id="{2BFE2475-28EF-9A44-97D3-D2287C00B1B1}" type="slidenum">
+              <a:rPr lang="en-US" smtClean="0"/>
+              <a:pPr>
+                <a:defRPr/>
+              </a:pPr>
+              <a:t>3</a:t>
+            </a:fld>
+            <a:endParaRPr lang="en-US"/>
+          </a:p>
+        </p:txBody>
+      </p:sp>
+    </p:spTree>
+    <p:extLst>
+      <p:ext uri="{BB962C8B-B14F-4D97-AF65-F5344CB8AC3E}">
+        <p14:creationId xmlns:p14="http://schemas.microsoft.com/office/powerpoint/2010/main" val="1249662503"/>
+      </p:ext>
+    </p:extLst>
+  </p:cSld>
+  <p:clrMapOvr>
+    <a:masterClrMapping/>
+  </p:clrMapOvr>
+</p:notes>
+</file>
+
+<file path=ppt/notesSlides/notesSlide4.xml><?xml version="1.0" encoding="utf-8"?>
+<p:notes xmlns:a="http://schemas.openxmlformats.org/drawingml/2006/main" xmlns:r="http://schemas.openxmlformats.org/officeDocument/2006/relationships" xmlns:p="http://schemas.openxmlformats.org/presentationml/2006/main">
+  <p:cSld>
+    <p:spTree>
+      <p:nvGrpSpPr>
+        <p:cNvPr id="1" name="">
+          <a:extLst>
+            <a:ext uri="{FF2B5EF4-FFF2-40B4-BE49-F238E27FC236}">
+              <a16:creationId xmlns:a16="http://schemas.microsoft.com/office/drawing/2014/main" id="{79E8D2E8-58F4-D069-EF39-E408E8E7F5F0}"/>
+            </a:ext>
+          </a:extLst>
+        </p:cNvPr>
+        <p:cNvGrpSpPr/>
+        <p:nvPr/>
+      </p:nvGrpSpPr>
+      <p:grpSpPr>
+        <a:xfrm>
+          <a:off x="0" y="0"/>
+          <a:ext cx="0" cy="0"/>
+          <a:chOff x="0" y="0"/>
+          <a:chExt cx="0" cy="0"/>
+        </a:xfrm>
+      </p:grpSpPr>
+      <p:sp>
+        <p:nvSpPr>
+          <p:cNvPr id="2" name="Slide Image Placeholder 1">
+            <a:extLst>
+              <a:ext uri="{FF2B5EF4-FFF2-40B4-BE49-F238E27FC236}">
+                <a16:creationId xmlns:a16="http://schemas.microsoft.com/office/drawing/2014/main" id="{5CDF10F6-0DE6-E368-49D5-AD6E504725B2}"/>
+              </a:ext>
+            </a:extLst>
+          </p:cNvPr>
+          <p:cNvSpPr>
+            <a:spLocks noGrp="1" noRot="1" noChangeAspect="1"/>
+          </p:cNvSpPr>
+          <p:nvPr>
+            <p:ph type="sldImg"/>
+          </p:nvPr>
+        </p:nvSpPr>
+        <p:spPr/>
+      </p:sp>
+      <p:sp>
+        <p:nvSpPr>
+          <p:cNvPr id="3" name="Notes Placeholder 2">
+            <a:extLst>
+              <a:ext uri="{FF2B5EF4-FFF2-40B4-BE49-F238E27FC236}">
+                <a16:creationId xmlns:a16="http://schemas.microsoft.com/office/drawing/2014/main" id="{436A180A-8A1B-330B-410F-773C6294D3B0}"/>
+              </a:ext>
+            </a:extLst>
+          </p:cNvPr>
+          <p:cNvSpPr>
+            <a:spLocks noGrp="1"/>
+          </p:cNvSpPr>
+          <p:nvPr>
+            <p:ph type="body" idx="1"/>
+          </p:nvPr>
+        </p:nvSpPr>
+        <p:spPr/>
+        <p:txBody>
+          <a:bodyPr/>
+          <a:lstStyle/>
+          <a:p>
+            <a:r>
+              <a:rPr lang="en-US" dirty="0">
+                <a:latin typeface="Tahoma" panose="020B0604030504040204" pitchFamily="34" charset="0"/>
+                <a:ea typeface="Tahoma" panose="020B0604030504040204" pitchFamily="34" charset="0"/>
+                <a:cs typeface="Tahoma" panose="020B0604030504040204" pitchFamily="34" charset="0"/>
+              </a:rPr>
+              <a:t>The framework that we will be using for this work is HAMR -- a model-driven development tool chain for high assurance embedded systems that emphasizes three layers of development:</a:t>
+            </a:r>
+          </a:p>
+          <a:p>
+            <a:endParaRPr lang="en-US" dirty="0">
+              <a:latin typeface="Tahoma" panose="020B0604030504040204" pitchFamily="34" charset="0"/>
+              <a:ea typeface="Tahoma" panose="020B0604030504040204" pitchFamily="34" charset="0"/>
+              <a:cs typeface="Tahoma" panose="020B0604030504040204" pitchFamily="34" charset="0"/>
+            </a:endParaRPr>
+          </a:p>
+          <a:p>
+            <a:r>
+              <a:rPr lang="en-US" dirty="0">
+                <a:latin typeface="Tahoma" panose="020B0604030504040204" pitchFamily="34" charset="0"/>
+                <a:ea typeface="Tahoma" panose="020B0604030504040204" pitchFamily="34" charset="0"/>
+                <a:cs typeface="Tahoma" panose="020B0604030504040204" pitchFamily="34" charset="0"/>
+              </a:rPr>
+              <a:t>Modeling, analysis and verification in the AADL modeling language, leveraging many tools in the AADL ecosystem</a:t>
+            </a:r>
+          </a:p>
+          <a:p>
+            <a:endParaRPr lang="en-US" dirty="0">
+              <a:latin typeface="Tahoma" panose="020B0604030504040204" pitchFamily="34" charset="0"/>
+              <a:ea typeface="Tahoma" panose="020B0604030504040204" pitchFamily="34" charset="0"/>
+              <a:cs typeface="Tahoma" panose="020B0604030504040204" pitchFamily="34" charset="0"/>
+            </a:endParaRPr>
+          </a:p>
+          <a:p>
+            <a:r>
+              <a:rPr lang="en-US" dirty="0">
+                <a:latin typeface="Tahoma" panose="020B0604030504040204" pitchFamily="34" charset="0"/>
+                <a:ea typeface="Tahoma" panose="020B0604030504040204" pitchFamily="34" charset="0"/>
+                <a:cs typeface="Tahoma" panose="020B0604030504040204" pitchFamily="34" charset="0"/>
+              </a:rPr>
+              <a:t>Development of component application logic in multiple languages include C and Slang (a safety-critical system of Scala with a contract verification framework, which can be translated to C)</a:t>
+            </a:r>
+          </a:p>
+          <a:p>
+            <a:endParaRPr lang="en-US" dirty="0">
+              <a:latin typeface="Tahoma" panose="020B0604030504040204" pitchFamily="34" charset="0"/>
+              <a:ea typeface="Tahoma" panose="020B0604030504040204" pitchFamily="34" charset="0"/>
+              <a:cs typeface="Tahoma" panose="020B0604030504040204" pitchFamily="34" charset="0"/>
+            </a:endParaRPr>
+          </a:p>
+          <a:p>
+            <a:r>
+              <a:rPr lang="en-US" dirty="0">
+                <a:latin typeface="Tahoma" panose="020B0604030504040204" pitchFamily="34" charset="0"/>
+                <a:ea typeface="Tahoma" panose="020B0604030504040204" pitchFamily="34" charset="0"/>
+                <a:cs typeface="Tahoma" panose="020B0604030504040204" pitchFamily="34" charset="0"/>
+              </a:rPr>
+              <a:t>Deployments on multiple platforms including seL4 verified microkernel.</a:t>
+            </a:r>
+          </a:p>
+          <a:p>
+            <a:endParaRPr lang="en-US" dirty="0">
+              <a:latin typeface="Tahoma" panose="020B0604030504040204" pitchFamily="34" charset="0"/>
+              <a:ea typeface="Tahoma" panose="020B0604030504040204" pitchFamily="34" charset="0"/>
+              <a:cs typeface="Tahoma" panose="020B0604030504040204" pitchFamily="34" charset="0"/>
+            </a:endParaRPr>
+          </a:p>
+        </p:txBody>
+      </p:sp>
+      <p:sp>
+        <p:nvSpPr>
+          <p:cNvPr id="4" name="Slide Number Placeholder 3">
+            <a:extLst>
+              <a:ext uri="{FF2B5EF4-FFF2-40B4-BE49-F238E27FC236}">
+                <a16:creationId xmlns:a16="http://schemas.microsoft.com/office/drawing/2014/main" id="{96979E27-86B0-AFEF-E3BB-57EC33066E8E}"/>
+              </a:ext>
+            </a:extLst>
+          </p:cNvPr>
+          <p:cNvSpPr>
+            <a:spLocks noGrp="1"/>
+          </p:cNvSpPr>
+          <p:nvPr>
+            <p:ph type="sldNum" sz="quarter" idx="5"/>
+          </p:nvPr>
+        </p:nvSpPr>
+        <p:spPr/>
+        <p:txBody>
+          <a:bodyPr/>
+          <a:lstStyle/>
+          <a:p>
+            <a:pPr>
+              <a:defRPr/>
+            </a:pPr>
+            <a:fld id="{2BFE2475-28EF-9A44-97D3-D2287C00B1B1}" type="slidenum">
+              <a:rPr lang="en-US" smtClean="0"/>
+              <a:pPr>
+                <a:defRPr/>
+              </a:pPr>
+              <a:t>4</a:t>
+            </a:fld>
+            <a:endParaRPr lang="en-US"/>
+          </a:p>
+        </p:txBody>
+      </p:sp>
+    </p:spTree>
+    <p:extLst>
+      <p:ext uri="{BB962C8B-B14F-4D97-AF65-F5344CB8AC3E}">
+        <p14:creationId xmlns:p14="http://schemas.microsoft.com/office/powerpoint/2010/main" val="2519306033"/>
+      </p:ext>
+    </p:extLst>
+  </p:cSld>
+  <p:clrMapOvr>
+    <a:masterClrMapping/>
+  </p:clrMapOvr>
+</p:notes>
+</file>
+
+<file path=ppt/notesSlides/notesSlide5.xml><?xml version="1.0" encoding="utf-8"?>
+<p:notes xmlns:a="http://schemas.openxmlformats.org/drawingml/2006/main" xmlns:r="http://schemas.openxmlformats.org/officeDocument/2006/relationships" xmlns:p="http://schemas.openxmlformats.org/presentationml/2006/main">
+  <p:cSld>
+    <p:spTree>
+      <p:nvGrpSpPr>
+        <p:cNvPr id="1" name="">
+          <a:extLst>
+            <a:ext uri="{FF2B5EF4-FFF2-40B4-BE49-F238E27FC236}">
+              <a16:creationId xmlns:a16="http://schemas.microsoft.com/office/drawing/2014/main" id="{2E5455FF-BFF9-1B44-5C3F-B9A4987C134B}"/>
+            </a:ext>
+          </a:extLst>
+        </p:cNvPr>
+        <p:cNvGrpSpPr/>
+        <p:nvPr/>
+      </p:nvGrpSpPr>
+      <p:grpSpPr>
+        <a:xfrm>
+          <a:off x="0" y="0"/>
+          <a:ext cx="0" cy="0"/>
+          <a:chOff x="0" y="0"/>
+          <a:chExt cx="0" cy="0"/>
+        </a:xfrm>
+      </p:grpSpPr>
+      <p:sp>
+        <p:nvSpPr>
+          <p:cNvPr id="2" name="Slide Image Placeholder 1">
+            <a:extLst>
+              <a:ext uri="{FF2B5EF4-FFF2-40B4-BE49-F238E27FC236}">
+                <a16:creationId xmlns:a16="http://schemas.microsoft.com/office/drawing/2014/main" id="{B75BAE14-E6B3-487F-D148-7BC7DB7B0106}"/>
+              </a:ext>
+            </a:extLst>
+          </p:cNvPr>
+          <p:cNvSpPr>
+            <a:spLocks noGrp="1" noRot="1" noChangeAspect="1"/>
+          </p:cNvSpPr>
+          <p:nvPr>
+            <p:ph type="sldImg"/>
+          </p:nvPr>
+        </p:nvSpPr>
+        <p:spPr/>
+      </p:sp>
+      <p:sp>
+        <p:nvSpPr>
+          <p:cNvPr id="3" name="Notes Placeholder 2">
+            <a:extLst>
+              <a:ext uri="{FF2B5EF4-FFF2-40B4-BE49-F238E27FC236}">
+                <a16:creationId xmlns:a16="http://schemas.microsoft.com/office/drawing/2014/main" id="{230F3AD8-6496-39D6-44CD-329E21A22D36}"/>
+              </a:ext>
+            </a:extLst>
+          </p:cNvPr>
+          <p:cNvSpPr>
+            <a:spLocks noGrp="1"/>
+          </p:cNvSpPr>
+          <p:nvPr>
+            <p:ph type="body" idx="1"/>
+          </p:nvPr>
+        </p:nvSpPr>
+        <p:spPr/>
+        <p:txBody>
+          <a:bodyPr/>
+          <a:lstStyle/>
+          <a:p>
+            <a:r>
+              <a:rPr lang="en-US" dirty="0">
+                <a:latin typeface="Tahoma" panose="020B0604030504040204" pitchFamily="34" charset="0"/>
+                <a:ea typeface="Tahoma" panose="020B0604030504040204" pitchFamily="34" charset="0"/>
+                <a:cs typeface="Tahoma" panose="020B0604030504040204" pitchFamily="34" charset="0"/>
+              </a:rPr>
+              <a:t>The framework that we will be using for this work is HAMR -- a model-driven development tool chain for high assurance embedded systems that emphasizes three layers of development:</a:t>
+            </a:r>
+          </a:p>
+          <a:p>
+            <a:endParaRPr lang="en-US" dirty="0">
+              <a:latin typeface="Tahoma" panose="020B0604030504040204" pitchFamily="34" charset="0"/>
+              <a:ea typeface="Tahoma" panose="020B0604030504040204" pitchFamily="34" charset="0"/>
+              <a:cs typeface="Tahoma" panose="020B0604030504040204" pitchFamily="34" charset="0"/>
+            </a:endParaRPr>
+          </a:p>
+          <a:p>
+            <a:r>
+              <a:rPr lang="en-US" dirty="0">
+                <a:latin typeface="Tahoma" panose="020B0604030504040204" pitchFamily="34" charset="0"/>
+                <a:ea typeface="Tahoma" panose="020B0604030504040204" pitchFamily="34" charset="0"/>
+                <a:cs typeface="Tahoma" panose="020B0604030504040204" pitchFamily="34" charset="0"/>
+              </a:rPr>
+              <a:t>Modeling, analysis and verification in the AADL modeling language, leveraging many tools in the AADL ecosystem</a:t>
+            </a:r>
+          </a:p>
+          <a:p>
+            <a:endParaRPr lang="en-US" dirty="0">
+              <a:latin typeface="Tahoma" panose="020B0604030504040204" pitchFamily="34" charset="0"/>
+              <a:ea typeface="Tahoma" panose="020B0604030504040204" pitchFamily="34" charset="0"/>
+              <a:cs typeface="Tahoma" panose="020B0604030504040204" pitchFamily="34" charset="0"/>
+            </a:endParaRPr>
+          </a:p>
+          <a:p>
+            <a:r>
+              <a:rPr lang="en-US" dirty="0">
+                <a:latin typeface="Tahoma" panose="020B0604030504040204" pitchFamily="34" charset="0"/>
+                <a:ea typeface="Tahoma" panose="020B0604030504040204" pitchFamily="34" charset="0"/>
+                <a:cs typeface="Tahoma" panose="020B0604030504040204" pitchFamily="34" charset="0"/>
+              </a:rPr>
+              <a:t>Development of component application logic in multiple languages include C and Slang (a safety-critical system of Scala with a contract verification framework, which can be translated to C)</a:t>
+            </a:r>
+          </a:p>
+          <a:p>
+            <a:endParaRPr lang="en-US" dirty="0">
+              <a:latin typeface="Tahoma" panose="020B0604030504040204" pitchFamily="34" charset="0"/>
+              <a:ea typeface="Tahoma" panose="020B0604030504040204" pitchFamily="34" charset="0"/>
+              <a:cs typeface="Tahoma" panose="020B0604030504040204" pitchFamily="34" charset="0"/>
+            </a:endParaRPr>
+          </a:p>
+          <a:p>
+            <a:r>
+              <a:rPr lang="en-US" dirty="0">
+                <a:latin typeface="Tahoma" panose="020B0604030504040204" pitchFamily="34" charset="0"/>
+                <a:ea typeface="Tahoma" panose="020B0604030504040204" pitchFamily="34" charset="0"/>
+                <a:cs typeface="Tahoma" panose="020B0604030504040204" pitchFamily="34" charset="0"/>
+              </a:rPr>
+              <a:t>Deployments on multiple platforms including seL4 verified microkernel.</a:t>
+            </a:r>
+          </a:p>
+          <a:p>
+            <a:endParaRPr lang="en-US" dirty="0">
+              <a:latin typeface="Tahoma" panose="020B0604030504040204" pitchFamily="34" charset="0"/>
+              <a:ea typeface="Tahoma" panose="020B0604030504040204" pitchFamily="34" charset="0"/>
+              <a:cs typeface="Tahoma" panose="020B0604030504040204" pitchFamily="34" charset="0"/>
+            </a:endParaRPr>
+          </a:p>
+        </p:txBody>
+      </p:sp>
+      <p:sp>
+        <p:nvSpPr>
+          <p:cNvPr id="4" name="Slide Number Placeholder 3">
+            <a:extLst>
+              <a:ext uri="{FF2B5EF4-FFF2-40B4-BE49-F238E27FC236}">
+                <a16:creationId xmlns:a16="http://schemas.microsoft.com/office/drawing/2014/main" id="{C50DDA70-2374-62A9-8599-164347E89F66}"/>
+              </a:ext>
+            </a:extLst>
+          </p:cNvPr>
+          <p:cNvSpPr>
+            <a:spLocks noGrp="1"/>
+          </p:cNvSpPr>
+          <p:nvPr>
+            <p:ph type="sldNum" sz="quarter" idx="5"/>
+          </p:nvPr>
+        </p:nvSpPr>
+        <p:spPr/>
+        <p:txBody>
+          <a:bodyPr/>
+          <a:lstStyle/>
+          <a:p>
+            <a:pPr>
+              <a:defRPr/>
+            </a:pPr>
+            <a:fld id="{2BFE2475-28EF-9A44-97D3-D2287C00B1B1}" type="slidenum">
+              <a:rPr lang="en-US" smtClean="0"/>
+              <a:pPr>
+                <a:defRPr/>
+              </a:pPr>
+              <a:t>5</a:t>
+            </a:fld>
+            <a:endParaRPr lang="en-US"/>
+          </a:p>
+        </p:txBody>
+      </p:sp>
+    </p:spTree>
+    <p:extLst>
+      <p:ext uri="{BB962C8B-B14F-4D97-AF65-F5344CB8AC3E}">
+        <p14:creationId xmlns:p14="http://schemas.microsoft.com/office/powerpoint/2010/main" val="1578713919"/>
       </p:ext>
     </p:extLst>
   </p:cSld>
@@ -4429,7 +4969,7 @@
             </a:br>
             <a:r>
               <a:rPr lang="en-US" sz="4000" dirty="0"/>
-              <a:t>Proof and Rewriting</a:t>
+              <a:t>Recursion and Induction</a:t>
             </a:r>
             <a:endParaRPr lang="en-US" sz="5400" dirty="0"/>
           </a:p>
@@ -4857,13 +5397,8 @@
           <a:p>
             <a:r>
               <a:rPr lang="en-US" sz="3600" dirty="0"/>
-              <a:t>Proof in </a:t>
-            </a:r>
-            <a:r>
-              <a:rPr lang="en-US" sz="3600" dirty="0" err="1"/>
-              <a:t>Logika</a:t>
-            </a:r>
-            <a:endParaRPr lang="en-US" sz="3600" dirty="0"/>
+              <a:t>Inductive List datatype</a:t>
+            </a:r>
           </a:p>
         </p:txBody>
       </p:sp>
@@ -4949,7 +5484,359 @@
           <a:p>
             <a:r>
               <a:rPr lang="en-US" sz="1600" dirty="0"/>
-              <a:t>Natural Deduction Proofs</a:t>
+              <a:t>Declaration of a List datatype in Slang</a:t>
+            </a:r>
+          </a:p>
+        </p:txBody>
+      </p:sp>
+      <p:pic>
+        <p:nvPicPr>
+          <p:cNvPr id="5" name="Picture 4" descr="A screenshot of a computer&#10;&#10;Description automatically generated">
+            <a:extLst>
+              <a:ext uri="{FF2B5EF4-FFF2-40B4-BE49-F238E27FC236}">
+                <a16:creationId xmlns:a16="http://schemas.microsoft.com/office/drawing/2014/main" id="{3E71F3E7-8B0C-07B5-F480-430CA1668F9A}"/>
+              </a:ext>
+            </a:extLst>
+          </p:cNvPr>
+          <p:cNvPicPr>
+            <a:picLocks noChangeAspect="1"/>
+          </p:cNvPicPr>
+          <p:nvPr/>
+        </p:nvPicPr>
+        <p:blipFill>
+          <a:blip r:embed="rId3"/>
+          <a:stretch>
+            <a:fillRect/>
+          </a:stretch>
+        </p:blipFill>
+        <p:spPr>
+          <a:xfrm>
+            <a:off x="625366" y="1676400"/>
+            <a:ext cx="7772400" cy="1986381"/>
+          </a:xfrm>
+          <a:prstGeom prst="rect">
+            <a:avLst/>
+          </a:prstGeom>
+        </p:spPr>
+      </p:pic>
+      <p:sp>
+        <p:nvSpPr>
+          <p:cNvPr id="6" name="TextBox 5">
+            <a:extLst>
+              <a:ext uri="{FF2B5EF4-FFF2-40B4-BE49-F238E27FC236}">
+                <a16:creationId xmlns:a16="http://schemas.microsoft.com/office/drawing/2014/main" id="{2B29BE64-2DA3-6F3E-2A73-D8CDE065B770}"/>
+              </a:ext>
+            </a:extLst>
+          </p:cNvPr>
+          <p:cNvSpPr txBox="1"/>
+          <p:nvPr/>
+        </p:nvSpPr>
+        <p:spPr>
+          <a:xfrm>
+            <a:off x="533400" y="5043344"/>
+            <a:ext cx="8016766" cy="369332"/>
+          </a:xfrm>
+          <a:prstGeom prst="rect">
+            <a:avLst/>
+          </a:prstGeom>
+          <a:gradFill flip="none" rotWithShape="1">
+            <a:gsLst>
+              <a:gs pos="0">
+                <a:schemeClr val="accent2">
+                  <a:lumMod val="5000"/>
+                  <a:lumOff val="95000"/>
+                </a:schemeClr>
+              </a:gs>
+              <a:gs pos="74000">
+                <a:schemeClr val="accent2">
+                  <a:lumMod val="45000"/>
+                  <a:lumOff val="55000"/>
+                </a:schemeClr>
+              </a:gs>
+              <a:gs pos="83000">
+                <a:schemeClr val="accent2">
+                  <a:lumMod val="45000"/>
+                  <a:lumOff val="55000"/>
+                </a:schemeClr>
+              </a:gs>
+              <a:gs pos="100000">
+                <a:schemeClr val="accent2">
+                  <a:lumMod val="30000"/>
+                  <a:lumOff val="70000"/>
+                </a:schemeClr>
+              </a:gs>
+            </a:gsLst>
+            <a:lin ang="10800000" scaled="1"/>
+            <a:tileRect/>
+          </a:gradFill>
+        </p:spPr>
+        <p:txBody>
+          <a:bodyPr wrap="square" rtlCol="0">
+            <a:spAutoFit/>
+          </a:bodyPr>
+          <a:lstStyle/>
+          <a:p>
+            <a:r>
+              <a:rPr lang="en-GB" sz="1800" b="1" dirty="0"/>
+              <a:t>Inductive</a:t>
+            </a:r>
+            <a:r>
+              <a:rPr lang="en-GB" sz="1800" dirty="0"/>
+              <a:t> datatypes are used with </a:t>
+            </a:r>
+            <a:r>
+              <a:rPr lang="en-GB" sz="1800" b="1" dirty="0"/>
+              <a:t>recursive</a:t>
+            </a:r>
+            <a:r>
+              <a:rPr lang="en-GB" sz="1800" dirty="0"/>
+              <a:t> function implementations.</a:t>
+            </a:r>
+          </a:p>
+        </p:txBody>
+      </p:sp>
+      <p:sp>
+        <p:nvSpPr>
+          <p:cNvPr id="7" name="TextBox 6">
+            <a:extLst>
+              <a:ext uri="{FF2B5EF4-FFF2-40B4-BE49-F238E27FC236}">
+                <a16:creationId xmlns:a16="http://schemas.microsoft.com/office/drawing/2014/main" id="{B29DB695-EB52-4E3C-A6FF-547A3279A5C1}"/>
+              </a:ext>
+            </a:extLst>
+          </p:cNvPr>
+          <p:cNvSpPr txBox="1"/>
+          <p:nvPr/>
+        </p:nvSpPr>
+        <p:spPr>
+          <a:xfrm>
+            <a:off x="533400" y="3841702"/>
+            <a:ext cx="7391400" cy="646331"/>
+          </a:xfrm>
+          <a:prstGeom prst="rect">
+            <a:avLst/>
+          </a:prstGeom>
+          <a:gradFill flip="none" rotWithShape="1">
+            <a:gsLst>
+              <a:gs pos="0">
+                <a:schemeClr val="accent2">
+                  <a:lumMod val="5000"/>
+                  <a:lumOff val="95000"/>
+                </a:schemeClr>
+              </a:gs>
+              <a:gs pos="74000">
+                <a:schemeClr val="accent2">
+                  <a:lumMod val="45000"/>
+                  <a:lumOff val="55000"/>
+                </a:schemeClr>
+              </a:gs>
+              <a:gs pos="83000">
+                <a:schemeClr val="accent2">
+                  <a:lumMod val="45000"/>
+                  <a:lumOff val="55000"/>
+                </a:schemeClr>
+              </a:gs>
+              <a:gs pos="100000">
+                <a:schemeClr val="accent2">
+                  <a:lumMod val="30000"/>
+                  <a:lumOff val="70000"/>
+                </a:schemeClr>
+              </a:gs>
+            </a:gsLst>
+            <a:lin ang="10800000" scaled="1"/>
+            <a:tileRect/>
+          </a:gradFill>
+        </p:spPr>
+        <p:txBody>
+          <a:bodyPr wrap="square" rtlCol="0">
+            <a:spAutoFit/>
+          </a:bodyPr>
+          <a:lstStyle/>
+          <a:p>
+            <a:r>
+              <a:rPr lang="en-GB" sz="1800" dirty="0"/>
+              <a:t>A List is either empty (</a:t>
+            </a:r>
+            <a:r>
+              <a:rPr lang="en-GB" sz="1800" dirty="0">
+                <a:solidFill>
+                  <a:srgbClr val="8922FD"/>
+                </a:solidFill>
+                <a:latin typeface="Menlo" panose="020B0609030804020204" pitchFamily="49" charset="0"/>
+                <a:ea typeface="Menlo" panose="020B0609030804020204" pitchFamily="49" charset="0"/>
+                <a:cs typeface="Menlo" panose="020B0609030804020204" pitchFamily="49" charset="0"/>
+              </a:rPr>
+              <a:t>Nil</a:t>
+            </a:r>
+            <a:r>
+              <a:rPr lang="en-GB" sz="1800" dirty="0"/>
+              <a:t>) or constructed (</a:t>
+            </a:r>
+            <a:r>
+              <a:rPr lang="en-GB" sz="1800" dirty="0">
+                <a:solidFill>
+                  <a:srgbClr val="8922FD"/>
+                </a:solidFill>
+                <a:latin typeface="Menlo" panose="020B0609030804020204" pitchFamily="49" charset="0"/>
+                <a:ea typeface="Menlo" panose="020B0609030804020204" pitchFamily="49" charset="0"/>
+                <a:cs typeface="Menlo" panose="020B0609030804020204" pitchFamily="49" charset="0"/>
+              </a:rPr>
+              <a:t>Cons</a:t>
+            </a:r>
+            <a:r>
+              <a:rPr lang="en-GB" sz="1800" dirty="0"/>
+              <a:t>) from a </a:t>
+            </a:r>
+            <a:r>
+              <a:rPr lang="en-GB" sz="1800" dirty="0">
+                <a:solidFill>
+                  <a:srgbClr val="8922FD"/>
+                </a:solidFill>
+                <a:latin typeface="Menlo" panose="020B0609030804020204" pitchFamily="49" charset="0"/>
+                <a:ea typeface="Menlo" panose="020B0609030804020204" pitchFamily="49" charset="0"/>
+                <a:cs typeface="Menlo" panose="020B0609030804020204" pitchFamily="49" charset="0"/>
+              </a:rPr>
+              <a:t>value</a:t>
+            </a:r>
+            <a:r>
+              <a:rPr lang="en-GB" sz="1800" dirty="0"/>
+              <a:t> and another list </a:t>
+            </a:r>
+            <a:r>
+              <a:rPr lang="en-GB" sz="1800" dirty="0">
+                <a:solidFill>
+                  <a:srgbClr val="8922FD"/>
+                </a:solidFill>
+                <a:latin typeface="Menlo" panose="020B0609030804020204" pitchFamily="49" charset="0"/>
+                <a:ea typeface="Menlo" panose="020B0609030804020204" pitchFamily="49" charset="0"/>
+                <a:cs typeface="Menlo" panose="020B0609030804020204" pitchFamily="49" charset="0"/>
+              </a:rPr>
+              <a:t>next</a:t>
+            </a:r>
+            <a:r>
+              <a:rPr lang="en-GB" sz="1800" dirty="0"/>
+              <a:t>. </a:t>
+            </a:r>
+            <a:r>
+              <a:rPr lang="en-GB" sz="1800" dirty="0">
+                <a:solidFill>
+                  <a:srgbClr val="8922FD"/>
+                </a:solidFill>
+                <a:latin typeface="Menlo" panose="020B0609030804020204" pitchFamily="49" charset="0"/>
+                <a:ea typeface="Menlo" panose="020B0609030804020204" pitchFamily="49" charset="0"/>
+                <a:cs typeface="Menlo" panose="020B0609030804020204" pitchFamily="49" charset="0"/>
+              </a:rPr>
+              <a:t>value</a:t>
+            </a:r>
+            <a:r>
+              <a:rPr lang="en-GB" sz="1800" dirty="0"/>
+              <a:t> is the </a:t>
+            </a:r>
+            <a:r>
+              <a:rPr lang="en-GB" sz="1800" b="1" dirty="0"/>
+              <a:t>head</a:t>
+            </a:r>
+            <a:r>
+              <a:rPr lang="en-GB" sz="1800" dirty="0"/>
+              <a:t> of the list, and </a:t>
+            </a:r>
+            <a:r>
+              <a:rPr lang="en-GB" sz="1800" dirty="0">
+                <a:latin typeface="Menlo" panose="020B0609030804020204" pitchFamily="49" charset="0"/>
+                <a:ea typeface="Menlo" panose="020B0609030804020204" pitchFamily="49" charset="0"/>
+                <a:cs typeface="Menlo" panose="020B0609030804020204" pitchFamily="49" charset="0"/>
+              </a:rPr>
+              <a:t>next</a:t>
+            </a:r>
+            <a:r>
+              <a:rPr lang="en-GB" sz="1800" dirty="0"/>
+              <a:t> its </a:t>
+            </a:r>
+            <a:r>
+              <a:rPr lang="en-GB" sz="1800" b="1" dirty="0"/>
+              <a:t>tail</a:t>
+            </a:r>
+            <a:r>
+              <a:rPr lang="en-GB" sz="1800" dirty="0"/>
+              <a:t>.</a:t>
+            </a:r>
+          </a:p>
+        </p:txBody>
+      </p:sp>
+      <p:sp>
+        <p:nvSpPr>
+          <p:cNvPr id="8" name="TextBox 7">
+            <a:extLst>
+              <a:ext uri="{FF2B5EF4-FFF2-40B4-BE49-F238E27FC236}">
+                <a16:creationId xmlns:a16="http://schemas.microsoft.com/office/drawing/2014/main" id="{F72B4688-2949-0795-76DD-0AAB446D17EC}"/>
+              </a:ext>
+            </a:extLst>
+          </p:cNvPr>
+          <p:cNvSpPr txBox="1"/>
+          <p:nvPr/>
+        </p:nvSpPr>
+        <p:spPr>
+          <a:xfrm>
+            <a:off x="533400" y="5822338"/>
+            <a:ext cx="7391400" cy="369332"/>
+          </a:xfrm>
+          <a:prstGeom prst="rect">
+            <a:avLst/>
+          </a:prstGeom>
+          <a:gradFill flip="none" rotWithShape="1">
+            <a:gsLst>
+              <a:gs pos="0">
+                <a:schemeClr val="accent2">
+                  <a:lumMod val="5000"/>
+                  <a:lumOff val="95000"/>
+                </a:schemeClr>
+              </a:gs>
+              <a:gs pos="74000">
+                <a:schemeClr val="accent2">
+                  <a:lumMod val="45000"/>
+                  <a:lumOff val="55000"/>
+                </a:schemeClr>
+              </a:gs>
+              <a:gs pos="83000">
+                <a:schemeClr val="accent2">
+                  <a:lumMod val="45000"/>
+                  <a:lumOff val="55000"/>
+                </a:schemeClr>
+              </a:gs>
+              <a:gs pos="100000">
+                <a:schemeClr val="accent2">
+                  <a:lumMod val="30000"/>
+                  <a:lumOff val="70000"/>
+                </a:schemeClr>
+              </a:gs>
+            </a:gsLst>
+            <a:lin ang="10800000" scaled="1"/>
+            <a:tileRect/>
+          </a:gradFill>
+        </p:spPr>
+        <p:txBody>
+          <a:bodyPr wrap="square" rtlCol="0">
+            <a:spAutoFit/>
+          </a:bodyPr>
+          <a:lstStyle/>
+          <a:p>
+            <a:r>
+              <a:rPr lang="en-GB" sz="1800" dirty="0"/>
+              <a:t>Facts about these functions are proved by induction </a:t>
+            </a:r>
+            <a:r>
+              <a:rPr lang="en-GB" sz="1800" dirty="0">
+                <a:solidFill>
+                  <a:srgbClr val="8922FD"/>
+                </a:solidFill>
+                <a:latin typeface="Menlo" panose="020B0609030804020204" pitchFamily="49" charset="0"/>
+                <a:ea typeface="Menlo" panose="020B0609030804020204" pitchFamily="49" charset="0"/>
+                <a:cs typeface="Menlo" panose="020B0609030804020204" pitchFamily="49" charset="0"/>
+              </a:rPr>
+              <a:t>(@induct</a:t>
+            </a:r>
+            <a:r>
+              <a:rPr lang="en-GB" sz="1800" dirty="0"/>
+              <a:t>)</a:t>
             </a:r>
           </a:p>
         </p:txBody>
@@ -4958,6 +5845,824 @@
     <p:extLst>
       <p:ext uri="{BB962C8B-B14F-4D97-AF65-F5344CB8AC3E}">
         <p14:creationId xmlns:p14="http://schemas.microsoft.com/office/powerpoint/2010/main" val="974532288"/>
+      </p:ext>
+    </p:extLst>
+  </p:cSld>
+  <p:clrMapOvr>
+    <a:masterClrMapping/>
+  </p:clrMapOvr>
+</p:sld>
+</file>
+
+<file path=ppt/slides/slide3.xml><?xml version="1.0" encoding="utf-8"?>
+<p:sld xmlns:a="http://schemas.openxmlformats.org/drawingml/2006/main" xmlns:r="http://schemas.openxmlformats.org/officeDocument/2006/relationships" xmlns:p="http://schemas.openxmlformats.org/presentationml/2006/main">
+  <p:cSld>
+    <p:spTree>
+      <p:nvGrpSpPr>
+        <p:cNvPr id="1" name="">
+          <a:extLst>
+            <a:ext uri="{FF2B5EF4-FFF2-40B4-BE49-F238E27FC236}">
+              <a16:creationId xmlns:a16="http://schemas.microsoft.com/office/drawing/2014/main" id="{E7F3DF32-0103-E613-FFBE-6FD7336F66EA}"/>
+            </a:ext>
+          </a:extLst>
+        </p:cNvPr>
+        <p:cNvGrpSpPr/>
+        <p:nvPr/>
+      </p:nvGrpSpPr>
+      <p:grpSpPr>
+        <a:xfrm>
+          <a:off x="0" y="0"/>
+          <a:ext cx="0" cy="0"/>
+          <a:chOff x="0" y="0"/>
+          <a:chExt cx="0" cy="0"/>
+        </a:xfrm>
+      </p:grpSpPr>
+      <p:sp>
+        <p:nvSpPr>
+          <p:cNvPr id="2" name="Title 1">
+            <a:extLst>
+              <a:ext uri="{FF2B5EF4-FFF2-40B4-BE49-F238E27FC236}">
+                <a16:creationId xmlns:a16="http://schemas.microsoft.com/office/drawing/2014/main" id="{1A40B7B9-81AD-A483-C6FB-8ECEA930E398}"/>
+              </a:ext>
+            </a:extLst>
+          </p:cNvPr>
+          <p:cNvSpPr>
+            <a:spLocks noGrp="1"/>
+          </p:cNvSpPr>
+          <p:nvPr>
+            <p:ph type="title"/>
+          </p:nvPr>
+        </p:nvSpPr>
+        <p:spPr/>
+        <p:txBody>
+          <a:bodyPr/>
+          <a:lstStyle/>
+          <a:p>
+            <a:r>
+              <a:rPr lang="en-US" sz="3600" dirty="0"/>
+              <a:t>Recursive functions</a:t>
+            </a:r>
+          </a:p>
+        </p:txBody>
+      </p:sp>
+      <p:sp>
+        <p:nvSpPr>
+          <p:cNvPr id="128" name="Slide Number Placeholder 127">
+            <a:extLst>
+              <a:ext uri="{FF2B5EF4-FFF2-40B4-BE49-F238E27FC236}">
+                <a16:creationId xmlns:a16="http://schemas.microsoft.com/office/drawing/2014/main" id="{B0B34234-A4AE-53E5-6C85-FAA3E8B49B1E}"/>
+              </a:ext>
+            </a:extLst>
+          </p:cNvPr>
+          <p:cNvSpPr>
+            <a:spLocks noGrp="1"/>
+          </p:cNvSpPr>
+          <p:nvPr>
+            <p:ph type="sldNum" sz="quarter" idx="11"/>
+          </p:nvPr>
+        </p:nvSpPr>
+        <p:spPr/>
+        <p:txBody>
+          <a:bodyPr/>
+          <a:lstStyle/>
+          <a:p>
+            <a:pPr>
+              <a:defRPr/>
+            </a:pPr>
+            <a:fld id="{6E0AA622-F4CE-604D-A669-CD3D12FC535C}" type="slidenum">
+              <a:rPr lang="en-US" smtClean="0"/>
+              <a:pPr>
+                <a:defRPr/>
+              </a:pPr>
+              <a:t>3</a:t>
+            </a:fld>
+            <a:endParaRPr lang="en-US" dirty="0"/>
+          </a:p>
+        </p:txBody>
+      </p:sp>
+      <p:sp>
+        <p:nvSpPr>
+          <p:cNvPr id="3" name="TextBox 2">
+            <a:extLst>
+              <a:ext uri="{FF2B5EF4-FFF2-40B4-BE49-F238E27FC236}">
+                <a16:creationId xmlns:a16="http://schemas.microsoft.com/office/drawing/2014/main" id="{D8F6A3BD-D3DA-57ED-D61B-E2EF0355F9FA}"/>
+              </a:ext>
+            </a:extLst>
+          </p:cNvPr>
+          <p:cNvSpPr txBox="1"/>
+          <p:nvPr/>
+        </p:nvSpPr>
+        <p:spPr>
+          <a:xfrm>
+            <a:off x="381000" y="1158925"/>
+            <a:ext cx="8016766" cy="338554"/>
+          </a:xfrm>
+          <a:prstGeom prst="rect">
+            <a:avLst/>
+          </a:prstGeom>
+          <a:gradFill flip="none" rotWithShape="1">
+            <a:gsLst>
+              <a:gs pos="0">
+                <a:schemeClr val="bg1"/>
+              </a:gs>
+              <a:gs pos="74000">
+                <a:srgbClr val="FFE267"/>
+              </a:gs>
+              <a:gs pos="83000">
+                <a:srgbClr val="FFE267"/>
+              </a:gs>
+              <a:gs pos="100000">
+                <a:srgbClr val="FFE267"/>
+              </a:gs>
+            </a:gsLst>
+            <a:lin ang="10800000" scaled="1"/>
+            <a:tileRect/>
+          </a:gradFill>
+        </p:spPr>
+        <p:txBody>
+          <a:bodyPr wrap="square" rtlCol="0">
+            <a:spAutoFit/>
+          </a:bodyPr>
+          <a:lstStyle/>
+          <a:p>
+            <a:r>
+              <a:rPr lang="en-US" sz="1600" dirty="0"/>
+              <a:t>Appending two lists (</a:t>
+            </a:r>
+            <a:r>
+              <a:rPr lang="en-US" sz="1600" dirty="0">
+                <a:solidFill>
+                  <a:srgbClr val="8922FD"/>
+                </a:solidFill>
+                <a:latin typeface="Menlo" panose="020B0609030804020204" pitchFamily="49" charset="0"/>
+                <a:ea typeface="Menlo" panose="020B0609030804020204" pitchFamily="49" charset="0"/>
+                <a:cs typeface="Menlo" panose="020B0609030804020204" pitchFamily="49" charset="0"/>
+              </a:rPr>
+              <a:t>++</a:t>
+            </a:r>
+            <a:r>
+              <a:rPr lang="en-US" sz="1600" dirty="0"/>
+              <a:t>) and reversing a list (</a:t>
+            </a:r>
+            <a:r>
+              <a:rPr lang="en-US" sz="1600" dirty="0">
+                <a:solidFill>
+                  <a:srgbClr val="8922FD"/>
+                </a:solidFill>
+                <a:latin typeface="Menlo" panose="020B0609030804020204" pitchFamily="49" charset="0"/>
+                <a:ea typeface="Menlo" panose="020B0609030804020204" pitchFamily="49" charset="0"/>
+                <a:cs typeface="Menlo" panose="020B0609030804020204" pitchFamily="49" charset="0"/>
+              </a:rPr>
+              <a:t>rev</a:t>
+            </a:r>
+            <a:r>
+              <a:rPr lang="en-US" sz="1600" dirty="0"/>
+              <a:t>)</a:t>
+            </a:r>
+          </a:p>
+        </p:txBody>
+      </p:sp>
+      <p:pic>
+        <p:nvPicPr>
+          <p:cNvPr id="5" name="Picture 4" descr="A close-up of a computer screen&#10;&#10;Description automatically generated">
+            <a:extLst>
+              <a:ext uri="{FF2B5EF4-FFF2-40B4-BE49-F238E27FC236}">
+                <a16:creationId xmlns:a16="http://schemas.microsoft.com/office/drawing/2014/main" id="{1B3A7C66-C58A-6D72-2681-2BD78E7D58BC}"/>
+              </a:ext>
+            </a:extLst>
+          </p:cNvPr>
+          <p:cNvPicPr>
+            <a:picLocks noChangeAspect="1"/>
+          </p:cNvPicPr>
+          <p:nvPr/>
+        </p:nvPicPr>
+        <p:blipFill>
+          <a:blip r:embed="rId3"/>
+          <a:stretch>
+            <a:fillRect/>
+          </a:stretch>
+        </p:blipFill>
+        <p:spPr>
+          <a:xfrm>
+            <a:off x="648128" y="1670611"/>
+            <a:ext cx="7772400" cy="1257299"/>
+          </a:xfrm>
+          <a:prstGeom prst="rect">
+            <a:avLst/>
+          </a:prstGeom>
+        </p:spPr>
+      </p:pic>
+      <p:pic>
+        <p:nvPicPr>
+          <p:cNvPr id="7" name="Picture 6" descr="A white background with black text and black letters&#10;&#10;Description automatically generated">
+            <a:extLst>
+              <a:ext uri="{FF2B5EF4-FFF2-40B4-BE49-F238E27FC236}">
+                <a16:creationId xmlns:a16="http://schemas.microsoft.com/office/drawing/2014/main" id="{AAB05721-CC7F-E986-9D2C-EE8E07E511AA}"/>
+              </a:ext>
+            </a:extLst>
+          </p:cNvPr>
+          <p:cNvPicPr>
+            <a:picLocks noChangeAspect="1"/>
+          </p:cNvPicPr>
+          <p:nvPr/>
+        </p:nvPicPr>
+        <p:blipFill>
+          <a:blip r:embed="rId4"/>
+          <a:stretch>
+            <a:fillRect/>
+          </a:stretch>
+        </p:blipFill>
+        <p:spPr>
+          <a:xfrm>
+            <a:off x="648128" y="3071386"/>
+            <a:ext cx="7772400" cy="1269388"/>
+          </a:xfrm>
+          <a:prstGeom prst="rect">
+            <a:avLst/>
+          </a:prstGeom>
+        </p:spPr>
+      </p:pic>
+      <p:pic>
+        <p:nvPicPr>
+          <p:cNvPr id="9" name="Picture 8">
+            <a:extLst>
+              <a:ext uri="{FF2B5EF4-FFF2-40B4-BE49-F238E27FC236}">
+                <a16:creationId xmlns:a16="http://schemas.microsoft.com/office/drawing/2014/main" id="{8E91D0CA-730E-9D7C-23B4-C63EB5454016}"/>
+              </a:ext>
+            </a:extLst>
+          </p:cNvPr>
+          <p:cNvPicPr>
+            <a:picLocks noChangeAspect="1"/>
+          </p:cNvPicPr>
+          <p:nvPr/>
+        </p:nvPicPr>
+        <p:blipFill>
+          <a:blip r:embed="rId5"/>
+          <a:stretch>
+            <a:fillRect/>
+          </a:stretch>
+        </p:blipFill>
+        <p:spPr>
+          <a:xfrm>
+            <a:off x="576000" y="4484250"/>
+            <a:ext cx="7772400" cy="300092"/>
+          </a:xfrm>
+          <a:prstGeom prst="rect">
+            <a:avLst/>
+          </a:prstGeom>
+        </p:spPr>
+      </p:pic>
+      <p:sp>
+        <p:nvSpPr>
+          <p:cNvPr id="10" name="TextBox 9">
+            <a:extLst>
+              <a:ext uri="{FF2B5EF4-FFF2-40B4-BE49-F238E27FC236}">
+                <a16:creationId xmlns:a16="http://schemas.microsoft.com/office/drawing/2014/main" id="{A618ECE3-7F8B-92C2-E084-7983DA1D4541}"/>
+              </a:ext>
+            </a:extLst>
+          </p:cNvPr>
+          <p:cNvSpPr txBox="1"/>
+          <p:nvPr/>
+        </p:nvSpPr>
+        <p:spPr>
+          <a:xfrm>
+            <a:off x="533400" y="5043344"/>
+            <a:ext cx="8016766" cy="369332"/>
+          </a:xfrm>
+          <a:prstGeom prst="rect">
+            <a:avLst/>
+          </a:prstGeom>
+          <a:gradFill flip="none" rotWithShape="1">
+            <a:gsLst>
+              <a:gs pos="0">
+                <a:schemeClr val="accent2">
+                  <a:lumMod val="5000"/>
+                  <a:lumOff val="95000"/>
+                </a:schemeClr>
+              </a:gs>
+              <a:gs pos="74000">
+                <a:schemeClr val="accent2">
+                  <a:lumMod val="45000"/>
+                  <a:lumOff val="55000"/>
+                </a:schemeClr>
+              </a:gs>
+              <a:gs pos="83000">
+                <a:schemeClr val="accent2">
+                  <a:lumMod val="45000"/>
+                  <a:lumOff val="55000"/>
+                </a:schemeClr>
+              </a:gs>
+              <a:gs pos="100000">
+                <a:schemeClr val="accent2">
+                  <a:lumMod val="30000"/>
+                  <a:lumOff val="70000"/>
+                </a:schemeClr>
+              </a:gs>
+            </a:gsLst>
+            <a:lin ang="10800000" scaled="1"/>
+            <a:tileRect/>
+          </a:gradFill>
+        </p:spPr>
+        <p:txBody>
+          <a:bodyPr wrap="square" rtlCol="0">
+            <a:spAutoFit/>
+          </a:bodyPr>
+          <a:lstStyle/>
+          <a:p>
+            <a:r>
+              <a:rPr lang="en-GB" sz="1800" dirty="0"/>
+              <a:t>Function rev uses </a:t>
+            </a:r>
+            <a:r>
+              <a:rPr lang="en-GB" sz="1800" dirty="0">
+                <a:solidFill>
+                  <a:srgbClr val="8922FD"/>
+                </a:solidFill>
+                <a:latin typeface="Menlo" panose="020B0609030804020204" pitchFamily="49" charset="0"/>
+                <a:ea typeface="Menlo" panose="020B0609030804020204" pitchFamily="49" charset="0"/>
+                <a:cs typeface="Menlo" panose="020B0609030804020204" pitchFamily="49" charset="0"/>
+              </a:rPr>
+              <a:t>++</a:t>
+            </a:r>
+            <a:r>
+              <a:rPr lang="en-GB" sz="1800" dirty="0"/>
+              <a:t> to avoid introducing an accumulator.</a:t>
+            </a:r>
+          </a:p>
+        </p:txBody>
+      </p:sp>
+      <p:sp>
+        <p:nvSpPr>
+          <p:cNvPr id="11" name="TextBox 10">
+            <a:extLst>
+              <a:ext uri="{FF2B5EF4-FFF2-40B4-BE49-F238E27FC236}">
+                <a16:creationId xmlns:a16="http://schemas.microsoft.com/office/drawing/2014/main" id="{F250D7E8-0A20-161E-C857-D67B31C77A11}"/>
+              </a:ext>
+            </a:extLst>
+          </p:cNvPr>
+          <p:cNvSpPr txBox="1"/>
+          <p:nvPr/>
+        </p:nvSpPr>
+        <p:spPr>
+          <a:xfrm>
+            <a:off x="539393" y="5549630"/>
+            <a:ext cx="8016766" cy="369332"/>
+          </a:xfrm>
+          <a:prstGeom prst="rect">
+            <a:avLst/>
+          </a:prstGeom>
+          <a:gradFill flip="none" rotWithShape="1">
+            <a:gsLst>
+              <a:gs pos="0">
+                <a:schemeClr val="accent2">
+                  <a:lumMod val="5000"/>
+                  <a:lumOff val="95000"/>
+                </a:schemeClr>
+              </a:gs>
+              <a:gs pos="74000">
+                <a:schemeClr val="accent2">
+                  <a:lumMod val="45000"/>
+                  <a:lumOff val="55000"/>
+                </a:schemeClr>
+              </a:gs>
+              <a:gs pos="83000">
+                <a:schemeClr val="accent2">
+                  <a:lumMod val="45000"/>
+                  <a:lumOff val="55000"/>
+                </a:schemeClr>
+              </a:gs>
+              <a:gs pos="100000">
+                <a:schemeClr val="accent2">
+                  <a:lumMod val="30000"/>
+                  <a:lumOff val="70000"/>
+                </a:schemeClr>
+              </a:gs>
+            </a:gsLst>
+            <a:lin ang="10800000" scaled="1"/>
+            <a:tileRect/>
+          </a:gradFill>
+        </p:spPr>
+        <p:txBody>
+          <a:bodyPr wrap="square" rtlCol="0">
+            <a:spAutoFit/>
+          </a:bodyPr>
+          <a:lstStyle/>
+          <a:p>
+            <a:r>
+              <a:rPr lang="en-GB" sz="1800" dirty="0"/>
+              <a:t>Suppose we want to prove </a:t>
+            </a:r>
+            <a:r>
+              <a:rPr lang="en-GB" sz="1800" dirty="0" err="1">
+                <a:solidFill>
+                  <a:srgbClr val="8922FD"/>
+                </a:solidFill>
+                <a:latin typeface="Menlo" panose="020B0609030804020204" pitchFamily="49" charset="0"/>
+                <a:ea typeface="Menlo" panose="020B0609030804020204" pitchFamily="49" charset="0"/>
+                <a:cs typeface="Menlo" panose="020B0609030804020204" pitchFamily="49" charset="0"/>
+              </a:rPr>
+              <a:t>x.rev.rev</a:t>
+            </a:r>
+            <a:r>
+              <a:rPr lang="en-GB" sz="1800" dirty="0">
+                <a:solidFill>
+                  <a:srgbClr val="8922FD"/>
+                </a:solidFill>
+                <a:latin typeface="Menlo" panose="020B0609030804020204" pitchFamily="49" charset="0"/>
+                <a:ea typeface="Menlo" panose="020B0609030804020204" pitchFamily="49" charset="0"/>
+                <a:cs typeface="Menlo" panose="020B0609030804020204" pitchFamily="49" charset="0"/>
+              </a:rPr>
+              <a:t> == x </a:t>
+            </a:r>
+            <a:r>
+              <a:rPr lang="en-GB" sz="1800" dirty="0"/>
+              <a:t>for any list </a:t>
+            </a:r>
+            <a:r>
+              <a:rPr lang="en-GB" sz="1800" dirty="0">
+                <a:solidFill>
+                  <a:srgbClr val="8922FD"/>
+                </a:solidFill>
+                <a:latin typeface="Menlo" panose="020B0609030804020204" pitchFamily="49" charset="0"/>
+                <a:ea typeface="Menlo" panose="020B0609030804020204" pitchFamily="49" charset="0"/>
+                <a:cs typeface="Menlo" panose="020B0609030804020204" pitchFamily="49" charset="0"/>
+              </a:rPr>
+              <a:t>x</a:t>
+            </a:r>
+          </a:p>
+        </p:txBody>
+      </p:sp>
+    </p:spTree>
+    <p:extLst>
+      <p:ext uri="{BB962C8B-B14F-4D97-AF65-F5344CB8AC3E}">
+        <p14:creationId xmlns:p14="http://schemas.microsoft.com/office/powerpoint/2010/main" val="437835128"/>
+      </p:ext>
+    </p:extLst>
+  </p:cSld>
+  <p:clrMapOvr>
+    <a:masterClrMapping/>
+  </p:clrMapOvr>
+</p:sld>
+</file>
+
+<file path=ppt/slides/slide4.xml><?xml version="1.0" encoding="utf-8"?>
+<p:sld xmlns:a="http://schemas.openxmlformats.org/drawingml/2006/main" xmlns:r="http://schemas.openxmlformats.org/officeDocument/2006/relationships" xmlns:p="http://schemas.openxmlformats.org/presentationml/2006/main">
+  <p:cSld>
+    <p:spTree>
+      <p:nvGrpSpPr>
+        <p:cNvPr id="1" name="">
+          <a:extLst>
+            <a:ext uri="{FF2B5EF4-FFF2-40B4-BE49-F238E27FC236}">
+              <a16:creationId xmlns:a16="http://schemas.microsoft.com/office/drawing/2014/main" id="{119E45A3-49EA-4458-595C-EACA189E2E8C}"/>
+            </a:ext>
+          </a:extLst>
+        </p:cNvPr>
+        <p:cNvGrpSpPr/>
+        <p:nvPr/>
+      </p:nvGrpSpPr>
+      <p:grpSpPr>
+        <a:xfrm>
+          <a:off x="0" y="0"/>
+          <a:ext cx="0" cy="0"/>
+          <a:chOff x="0" y="0"/>
+          <a:chExt cx="0" cy="0"/>
+        </a:xfrm>
+      </p:grpSpPr>
+      <p:sp>
+        <p:nvSpPr>
+          <p:cNvPr id="2" name="Title 1">
+            <a:extLst>
+              <a:ext uri="{FF2B5EF4-FFF2-40B4-BE49-F238E27FC236}">
+                <a16:creationId xmlns:a16="http://schemas.microsoft.com/office/drawing/2014/main" id="{F32F7BE9-852E-5DBD-87A3-27C3FE74A8C9}"/>
+              </a:ext>
+            </a:extLst>
+          </p:cNvPr>
+          <p:cNvSpPr>
+            <a:spLocks noGrp="1"/>
+          </p:cNvSpPr>
+          <p:nvPr>
+            <p:ph type="title"/>
+          </p:nvPr>
+        </p:nvSpPr>
+        <p:spPr/>
+        <p:txBody>
+          <a:bodyPr/>
+          <a:lstStyle/>
+          <a:p>
+            <a:r>
+              <a:rPr lang="en-US" sz="3600" dirty="0"/>
+              <a:t>Induction</a:t>
+            </a:r>
+          </a:p>
+        </p:txBody>
+      </p:sp>
+      <p:sp>
+        <p:nvSpPr>
+          <p:cNvPr id="128" name="Slide Number Placeholder 127">
+            <a:extLst>
+              <a:ext uri="{FF2B5EF4-FFF2-40B4-BE49-F238E27FC236}">
+                <a16:creationId xmlns:a16="http://schemas.microsoft.com/office/drawing/2014/main" id="{6CC14BA0-5747-6184-14E4-A1CC31CBE04C}"/>
+              </a:ext>
+            </a:extLst>
+          </p:cNvPr>
+          <p:cNvSpPr>
+            <a:spLocks noGrp="1"/>
+          </p:cNvSpPr>
+          <p:nvPr>
+            <p:ph type="sldNum" sz="quarter" idx="11"/>
+          </p:nvPr>
+        </p:nvSpPr>
+        <p:spPr/>
+        <p:txBody>
+          <a:bodyPr/>
+          <a:lstStyle/>
+          <a:p>
+            <a:pPr>
+              <a:defRPr/>
+            </a:pPr>
+            <a:fld id="{6E0AA622-F4CE-604D-A669-CD3D12FC535C}" type="slidenum">
+              <a:rPr lang="en-US" smtClean="0"/>
+              <a:pPr>
+                <a:defRPr/>
+              </a:pPr>
+              <a:t>4</a:t>
+            </a:fld>
+            <a:endParaRPr lang="en-US" dirty="0"/>
+          </a:p>
+        </p:txBody>
+      </p:sp>
+      <p:sp>
+        <p:nvSpPr>
+          <p:cNvPr id="3" name="TextBox 2">
+            <a:extLst>
+              <a:ext uri="{FF2B5EF4-FFF2-40B4-BE49-F238E27FC236}">
+                <a16:creationId xmlns:a16="http://schemas.microsoft.com/office/drawing/2014/main" id="{AE52BDEF-F057-2D12-5042-5D4E6F23A627}"/>
+              </a:ext>
+            </a:extLst>
+          </p:cNvPr>
+          <p:cNvSpPr txBox="1"/>
+          <p:nvPr/>
+        </p:nvSpPr>
+        <p:spPr>
+          <a:xfrm>
+            <a:off x="381000" y="1158925"/>
+            <a:ext cx="8016766" cy="338554"/>
+          </a:xfrm>
+          <a:prstGeom prst="rect">
+            <a:avLst/>
+          </a:prstGeom>
+          <a:gradFill flip="none" rotWithShape="1">
+            <a:gsLst>
+              <a:gs pos="0">
+                <a:schemeClr val="bg1"/>
+              </a:gs>
+              <a:gs pos="74000">
+                <a:srgbClr val="FFE267"/>
+              </a:gs>
+              <a:gs pos="83000">
+                <a:srgbClr val="FFE267"/>
+              </a:gs>
+              <a:gs pos="100000">
+                <a:srgbClr val="FFE267"/>
+              </a:gs>
+            </a:gsLst>
+            <a:lin ang="10800000" scaled="1"/>
+            <a:tileRect/>
+          </a:gradFill>
+        </p:spPr>
+        <p:txBody>
+          <a:bodyPr wrap="square" rtlCol="0">
+            <a:spAutoFit/>
+          </a:bodyPr>
+          <a:lstStyle/>
+          <a:p>
+            <a:r>
+              <a:rPr lang="en-US" sz="1600" dirty="0"/>
+              <a:t>Use of </a:t>
+            </a:r>
+            <a:r>
+              <a:rPr lang="en-US" sz="1600" dirty="0">
+                <a:solidFill>
+                  <a:srgbClr val="8922FD"/>
+                </a:solidFill>
+                <a:latin typeface="Menlo" panose="020B0609030804020204" pitchFamily="49" charset="0"/>
+                <a:ea typeface="Menlo" panose="020B0609030804020204" pitchFamily="49" charset="0"/>
+                <a:cs typeface="Menlo" panose="020B0609030804020204" pitchFamily="49" charset="0"/>
+              </a:rPr>
+              <a:t>@induct</a:t>
+            </a:r>
+            <a:r>
+              <a:rPr lang="en-US" sz="1600" dirty="0"/>
+              <a:t>/</a:t>
+            </a:r>
+            <a:r>
+              <a:rPr lang="en-US" sz="1600" dirty="0">
+                <a:solidFill>
+                  <a:srgbClr val="8922FD"/>
+                </a:solidFill>
+                <a:latin typeface="Menlo" panose="020B0609030804020204" pitchFamily="49" charset="0"/>
+                <a:ea typeface="Menlo" panose="020B0609030804020204" pitchFamily="49" charset="0"/>
+                <a:cs typeface="Menlo" panose="020B0609030804020204" pitchFamily="49" charset="0"/>
+              </a:rPr>
+              <a:t>match</a:t>
+            </a:r>
+            <a:r>
+              <a:rPr lang="en-US" sz="1600" dirty="0"/>
+              <a:t> for inductive proofs</a:t>
+            </a:r>
+          </a:p>
+        </p:txBody>
+      </p:sp>
+      <p:pic>
+        <p:nvPicPr>
+          <p:cNvPr id="5" name="Picture 4" descr="A screenshot of a computer program&#10;&#10;Description automatically generated">
+            <a:extLst>
+              <a:ext uri="{FF2B5EF4-FFF2-40B4-BE49-F238E27FC236}">
+                <a16:creationId xmlns:a16="http://schemas.microsoft.com/office/drawing/2014/main" id="{3BC60B5E-9EC5-0B9A-5393-E6CE344E9CF3}"/>
+              </a:ext>
+            </a:extLst>
+          </p:cNvPr>
+          <p:cNvPicPr>
+            <a:picLocks noChangeAspect="1"/>
+          </p:cNvPicPr>
+          <p:nvPr/>
+        </p:nvPicPr>
+        <p:blipFill>
+          <a:blip r:embed="rId3"/>
+          <a:stretch>
+            <a:fillRect/>
+          </a:stretch>
+        </p:blipFill>
+        <p:spPr>
+          <a:xfrm>
+            <a:off x="576000" y="1600200"/>
+            <a:ext cx="8513584" cy="3785260"/>
+          </a:xfrm>
+          <a:prstGeom prst="rect">
+            <a:avLst/>
+          </a:prstGeom>
+        </p:spPr>
+      </p:pic>
+    </p:spTree>
+    <p:extLst>
+      <p:ext uri="{BB962C8B-B14F-4D97-AF65-F5344CB8AC3E}">
+        <p14:creationId xmlns:p14="http://schemas.microsoft.com/office/powerpoint/2010/main" val="143001601"/>
+      </p:ext>
+    </p:extLst>
+  </p:cSld>
+  <p:clrMapOvr>
+    <a:masterClrMapping/>
+  </p:clrMapOvr>
+</p:sld>
+</file>
+
+<file path=ppt/slides/slide5.xml><?xml version="1.0" encoding="utf-8"?>
+<p:sld xmlns:a="http://schemas.openxmlformats.org/drawingml/2006/main" xmlns:r="http://schemas.openxmlformats.org/officeDocument/2006/relationships" xmlns:p="http://schemas.openxmlformats.org/presentationml/2006/main">
+  <p:cSld>
+    <p:spTree>
+      <p:nvGrpSpPr>
+        <p:cNvPr id="1" name="">
+          <a:extLst>
+            <a:ext uri="{FF2B5EF4-FFF2-40B4-BE49-F238E27FC236}">
+              <a16:creationId xmlns:a16="http://schemas.microsoft.com/office/drawing/2014/main" id="{F535E4A6-831F-DDB5-2C58-BDDDA7966249}"/>
+            </a:ext>
+          </a:extLst>
+        </p:cNvPr>
+        <p:cNvGrpSpPr/>
+        <p:nvPr/>
+      </p:nvGrpSpPr>
+      <p:grpSpPr>
+        <a:xfrm>
+          <a:off x="0" y="0"/>
+          <a:ext cx="0" cy="0"/>
+          <a:chOff x="0" y="0"/>
+          <a:chExt cx="0" cy="0"/>
+        </a:xfrm>
+      </p:grpSpPr>
+      <p:sp>
+        <p:nvSpPr>
+          <p:cNvPr id="2" name="Title 1">
+            <a:extLst>
+              <a:ext uri="{FF2B5EF4-FFF2-40B4-BE49-F238E27FC236}">
+                <a16:creationId xmlns:a16="http://schemas.microsoft.com/office/drawing/2014/main" id="{AE37B94D-93A1-6F91-1455-F2619D4A47EF}"/>
+              </a:ext>
+            </a:extLst>
+          </p:cNvPr>
+          <p:cNvSpPr>
+            <a:spLocks noGrp="1"/>
+          </p:cNvSpPr>
+          <p:nvPr>
+            <p:ph type="title"/>
+          </p:nvPr>
+        </p:nvSpPr>
+        <p:spPr/>
+        <p:txBody>
+          <a:bodyPr/>
+          <a:lstStyle/>
+          <a:p>
+            <a:r>
+              <a:rPr lang="en-US" sz="3600" dirty="0"/>
+              <a:t>Proof in </a:t>
+            </a:r>
+            <a:r>
+              <a:rPr lang="en-US" sz="3600" dirty="0" err="1"/>
+              <a:t>Logika</a:t>
+            </a:r>
+            <a:endParaRPr lang="en-US" sz="3600" dirty="0"/>
+          </a:p>
+        </p:txBody>
+      </p:sp>
+      <p:sp>
+        <p:nvSpPr>
+          <p:cNvPr id="128" name="Slide Number Placeholder 127">
+            <a:extLst>
+              <a:ext uri="{FF2B5EF4-FFF2-40B4-BE49-F238E27FC236}">
+                <a16:creationId xmlns:a16="http://schemas.microsoft.com/office/drawing/2014/main" id="{06945F99-2F07-E353-0E2C-200F20036FE8}"/>
+              </a:ext>
+            </a:extLst>
+          </p:cNvPr>
+          <p:cNvSpPr>
+            <a:spLocks noGrp="1"/>
+          </p:cNvSpPr>
+          <p:nvPr>
+            <p:ph type="sldNum" sz="quarter" idx="11"/>
+          </p:nvPr>
+        </p:nvSpPr>
+        <p:spPr/>
+        <p:txBody>
+          <a:bodyPr/>
+          <a:lstStyle/>
+          <a:p>
+            <a:pPr>
+              <a:defRPr/>
+            </a:pPr>
+            <a:fld id="{6E0AA622-F4CE-604D-A669-CD3D12FC535C}" type="slidenum">
+              <a:rPr lang="en-US" smtClean="0"/>
+              <a:pPr>
+                <a:defRPr/>
+              </a:pPr>
+              <a:t>5</a:t>
+            </a:fld>
+            <a:endParaRPr lang="en-US" dirty="0"/>
+          </a:p>
+        </p:txBody>
+      </p:sp>
+      <p:sp>
+        <p:nvSpPr>
+          <p:cNvPr id="3" name="TextBox 2">
+            <a:extLst>
+              <a:ext uri="{FF2B5EF4-FFF2-40B4-BE49-F238E27FC236}">
+                <a16:creationId xmlns:a16="http://schemas.microsoft.com/office/drawing/2014/main" id="{7AFD8403-87F2-973A-5A69-76556A269A1D}"/>
+              </a:ext>
+            </a:extLst>
+          </p:cNvPr>
+          <p:cNvSpPr txBox="1"/>
+          <p:nvPr/>
+        </p:nvSpPr>
+        <p:spPr>
+          <a:xfrm>
+            <a:off x="381000" y="1158925"/>
+            <a:ext cx="8016766" cy="338554"/>
+          </a:xfrm>
+          <a:prstGeom prst="rect">
+            <a:avLst/>
+          </a:prstGeom>
+          <a:gradFill flip="none" rotWithShape="1">
+            <a:gsLst>
+              <a:gs pos="0">
+                <a:schemeClr val="bg1"/>
+              </a:gs>
+              <a:gs pos="74000">
+                <a:srgbClr val="FFE267"/>
+              </a:gs>
+              <a:gs pos="83000">
+                <a:srgbClr val="FFE267"/>
+              </a:gs>
+              <a:gs pos="100000">
+                <a:srgbClr val="FFE267"/>
+              </a:gs>
+            </a:gsLst>
+            <a:lin ang="10800000" scaled="1"/>
+            <a:tileRect/>
+          </a:gradFill>
+        </p:spPr>
+        <p:txBody>
+          <a:bodyPr wrap="square" rtlCol="0">
+            <a:spAutoFit/>
+          </a:bodyPr>
+          <a:lstStyle/>
+          <a:p>
+            <a:r>
+              <a:rPr lang="en-US" sz="1600" dirty="0"/>
+              <a:t>Natural Deduction Proofs</a:t>
+            </a:r>
+          </a:p>
+        </p:txBody>
+      </p:sp>
+    </p:spTree>
+    <p:extLst>
+      <p:ext uri="{BB962C8B-B14F-4D97-AF65-F5344CB8AC3E}">
+        <p14:creationId xmlns:p14="http://schemas.microsoft.com/office/powerpoint/2010/main" val="2136769332"/>
       </p:ext>
     </p:extLst>
   </p:cSld>

--- a/slides/A-01-03-Proofs-Induction.pptx
+++ b/slides/A-01-03-Proofs-Induction.pptx
@@ -6562,13 +6562,8 @@
           <a:p>
             <a:r>
               <a:rPr lang="en-US" sz="3600" dirty="0"/>
-              <a:t>Proof in </a:t>
-            </a:r>
-            <a:r>
-              <a:rPr lang="en-US" sz="3600" dirty="0" err="1"/>
-              <a:t>Logika</a:t>
-            </a:r>
-            <a:endParaRPr lang="en-US" sz="3600" dirty="0"/>
+              <a:t>Exercise</a:t>
+            </a:r>
           </a:p>
         </p:txBody>
       </p:sp>
@@ -6654,7 +6649,104 @@
           <a:p>
             <a:r>
               <a:rPr lang="en-US" sz="1600" dirty="0"/>
-              <a:t>Natural Deduction Proofs</a:t>
+              <a:t>(A) Prove the following statement by induction</a:t>
+            </a:r>
+          </a:p>
+        </p:txBody>
+      </p:sp>
+      <p:pic>
+        <p:nvPicPr>
+          <p:cNvPr id="5" name="Picture 4" descr="A close-up of a computer code&#10;&#10;Description automatically generated">
+            <a:extLst>
+              <a:ext uri="{FF2B5EF4-FFF2-40B4-BE49-F238E27FC236}">
+                <a16:creationId xmlns:a16="http://schemas.microsoft.com/office/drawing/2014/main" id="{67FC40CD-BFC1-0BDC-AEA6-8BAAA813598B}"/>
+              </a:ext>
+            </a:extLst>
+          </p:cNvPr>
+          <p:cNvPicPr>
+            <a:picLocks noChangeAspect="1"/>
+          </p:cNvPicPr>
+          <p:nvPr/>
+        </p:nvPicPr>
+        <p:blipFill>
+          <a:blip r:embed="rId3"/>
+          <a:stretch>
+            <a:fillRect/>
+          </a:stretch>
+        </p:blipFill>
+        <p:spPr>
+          <a:xfrm>
+            <a:off x="609600" y="1676400"/>
+            <a:ext cx="6845300" cy="1524000"/>
+          </a:xfrm>
+          <a:prstGeom prst="rect">
+            <a:avLst/>
+          </a:prstGeom>
+        </p:spPr>
+      </p:pic>
+      <p:sp>
+        <p:nvSpPr>
+          <p:cNvPr id="7" name="TextBox 6">
+            <a:extLst>
+              <a:ext uri="{FF2B5EF4-FFF2-40B4-BE49-F238E27FC236}">
+                <a16:creationId xmlns:a16="http://schemas.microsoft.com/office/drawing/2014/main" id="{95859E53-7C9E-F665-05EE-8E46340BD0C0}"/>
+              </a:ext>
+            </a:extLst>
+          </p:cNvPr>
+          <p:cNvSpPr txBox="1"/>
+          <p:nvPr/>
+        </p:nvSpPr>
+        <p:spPr>
+          <a:xfrm>
+            <a:off x="5250094" y="3153375"/>
+            <a:ext cx="3505200" cy="1077218"/>
+          </a:xfrm>
+          <a:prstGeom prst="rect">
+            <a:avLst/>
+          </a:prstGeom>
+          <a:gradFill flip="none" rotWithShape="1">
+            <a:gsLst>
+              <a:gs pos="0">
+                <a:schemeClr val="bg1"/>
+              </a:gs>
+              <a:gs pos="74000">
+                <a:srgbClr val="FFE267"/>
+              </a:gs>
+              <a:gs pos="83000">
+                <a:srgbClr val="FFE267"/>
+              </a:gs>
+              <a:gs pos="100000">
+                <a:srgbClr val="FFE267"/>
+              </a:gs>
+            </a:gsLst>
+            <a:lin ang="10800000" scaled="1"/>
+            <a:tileRect/>
+          </a:gradFill>
+        </p:spPr>
+        <p:txBody>
+          <a:bodyPr wrap="square" rtlCol="0">
+            <a:spAutoFit/>
+          </a:bodyPr>
+          <a:lstStyle/>
+          <a:p>
+            <a:r>
+              <a:rPr lang="en-US" sz="1600" dirty="0"/>
+              <a:t>(B) Spell out the proof for the </a:t>
+            </a:r>
+            <a:r>
+              <a:rPr lang="en-US" sz="1600" dirty="0">
+                <a:solidFill>
+                  <a:srgbClr val="8922FD"/>
+                </a:solidFill>
+                <a:latin typeface="Menlo" panose="020B0609030804020204" pitchFamily="49" charset="0"/>
+                <a:ea typeface="Menlo" panose="020B0609030804020204" pitchFamily="49" charset="0"/>
+                <a:cs typeface="Menlo" panose="020B0609030804020204" pitchFamily="49" charset="0"/>
+              </a:rPr>
+              <a:t>Cons</a:t>
+            </a:r>
+            <a:r>
+              <a:rPr lang="en-US" sz="1600" dirty="0"/>
+              <a:t> case using a series of deductions, starting with the premises of the case </a:t>
             </a:r>
           </a:p>
         </p:txBody>

--- a/slides/A-01-03-Proofs-Induction.pptx
+++ b/slides/A-01-03-Proofs-Induction.pptx
@@ -5240,10 +5240,46 @@
       </p:sp>
       <p:sp>
         <p:nvSpPr>
-          <p:cNvPr id="5" name="Rectangle 4">
+          <p:cNvPr id="16" name="TextBox 15">
             <a:extLst>
               <a:ext uri="{FF2B5EF4-FFF2-40B4-BE49-F238E27FC236}">
-                <a16:creationId xmlns:a16="http://schemas.microsoft.com/office/drawing/2014/main" id="{38E4B0B0-22E8-1340-AA2C-68C72F08D6A5}"/>
+                <a16:creationId xmlns:a16="http://schemas.microsoft.com/office/drawing/2014/main" id="{663EBDB7-43CB-B144-9456-14002C9FB986}"/>
+              </a:ext>
+            </a:extLst>
+          </p:cNvPr>
+          <p:cNvSpPr txBox="1"/>
+          <p:nvPr/>
+        </p:nvSpPr>
+        <p:spPr>
+          <a:xfrm>
+            <a:off x="457200" y="6400800"/>
+            <a:ext cx="8453927" cy="369332"/>
+          </a:xfrm>
+          <a:prstGeom prst="rect">
+            <a:avLst/>
+          </a:prstGeom>
+          <a:noFill/>
+        </p:spPr>
+        <p:txBody>
+          <a:bodyPr wrap="square">
+            <a:spAutoFit/>
+          </a:bodyPr>
+          <a:lstStyle/>
+          <a:p>
+            <a:pPr algn="ctr"/>
+            <a:r>
+              <a:rPr lang="en-US" sz="900" dirty="0"/>
+              <a:t>DISCLAIMER: The views and conclusions contained in this presentation are those of the author and should not be interpreted as representing the official policies, either express or implied, of any agency or department of the U.S. Government, Kansas State University or Aarhus University</a:t>
+            </a:r>
+          </a:p>
+        </p:txBody>
+      </p:sp>
+      <p:sp>
+        <p:nvSpPr>
+          <p:cNvPr id="2" name="Rectangle 1">
+            <a:extLst>
+              <a:ext uri="{FF2B5EF4-FFF2-40B4-BE49-F238E27FC236}">
+                <a16:creationId xmlns:a16="http://schemas.microsoft.com/office/drawing/2014/main" id="{86C59400-8B12-DA1F-1E23-B6138DA99820}"/>
               </a:ext>
             </a:extLst>
           </p:cNvPr>
@@ -5252,8 +5288,8 @@
         </p:nvSpPr>
         <p:spPr bwMode="auto">
           <a:xfrm flipV="1">
-            <a:off x="2317125" y="4599080"/>
-            <a:ext cx="1421121" cy="277720"/>
+            <a:off x="4953000" y="4396636"/>
+            <a:ext cx="1832233" cy="277720"/>
           </a:xfrm>
           <a:prstGeom prst="rect">
             <a:avLst/>
@@ -5304,42 +5340,6 @@
               <a:effectLst/>
               <a:latin typeface="Tahoma" charset="0"/>
             </a:endParaRPr>
-          </a:p>
-        </p:txBody>
-      </p:sp>
-      <p:sp>
-        <p:nvSpPr>
-          <p:cNvPr id="16" name="TextBox 15">
-            <a:extLst>
-              <a:ext uri="{FF2B5EF4-FFF2-40B4-BE49-F238E27FC236}">
-                <a16:creationId xmlns:a16="http://schemas.microsoft.com/office/drawing/2014/main" id="{663EBDB7-43CB-B144-9456-14002C9FB986}"/>
-              </a:ext>
-            </a:extLst>
-          </p:cNvPr>
-          <p:cNvSpPr txBox="1"/>
-          <p:nvPr/>
-        </p:nvSpPr>
-        <p:spPr>
-          <a:xfrm>
-            <a:off x="457200" y="6400800"/>
-            <a:ext cx="8453927" cy="369332"/>
-          </a:xfrm>
-          <a:prstGeom prst="rect">
-            <a:avLst/>
-          </a:prstGeom>
-          <a:noFill/>
-        </p:spPr>
-        <p:txBody>
-          <a:bodyPr wrap="square">
-            <a:spAutoFit/>
-          </a:bodyPr>
-          <a:lstStyle/>
-          <a:p>
-            <a:pPr algn="ctr"/>
-            <a:r>
-              <a:rPr lang="en-US" sz="900" dirty="0"/>
-              <a:t>DISCLAIMER: The views and conclusions contained in this presentation are those of the author and should not be interpreted as representing the official policies, either express or implied, of any agency or department of the U.S. Government, Kansas State University or Aarhus University</a:t>
-            </a:r>
           </a:p>
         </p:txBody>
       </p:sp>
@@ -6292,6 +6292,130 @@
           </a:p>
         </p:txBody>
       </p:sp>
+      <p:sp>
+        <p:nvSpPr>
+          <p:cNvPr id="4" name="Rectangle 3">
+            <a:extLst>
+              <a:ext uri="{FF2B5EF4-FFF2-40B4-BE49-F238E27FC236}">
+                <a16:creationId xmlns:a16="http://schemas.microsoft.com/office/drawing/2014/main" id="{BC6574BA-4388-E9B7-6317-932FF90080A3}"/>
+              </a:ext>
+            </a:extLst>
+          </p:cNvPr>
+          <p:cNvSpPr/>
+          <p:nvPr/>
+        </p:nvSpPr>
+        <p:spPr bwMode="auto">
+          <a:xfrm>
+            <a:off x="4800600" y="3976854"/>
+            <a:ext cx="2667000" cy="354973"/>
+          </a:xfrm>
+          <a:prstGeom prst="rect">
+            <a:avLst/>
+          </a:prstGeom>
+          <a:solidFill>
+            <a:srgbClr val="FFE267"/>
+          </a:solidFill>
+          <a:ln w="9525" cap="flat" cmpd="sng" algn="ctr">
+            <a:solidFill>
+              <a:schemeClr val="tx1"/>
+            </a:solidFill>
+            <a:prstDash val="solid"/>
+            <a:miter lim="800000"/>
+            <a:headEnd type="none" w="med" len="med"/>
+            <a:tailEnd type="none" w="med" len="med"/>
+          </a:ln>
+          <a:effectLst/>
+        </p:spPr>
+        <p:txBody>
+          <a:bodyPr vert="horz" wrap="square" lIns="91440" tIns="45720" rIns="91440" bIns="45720" numCol="1" rtlCol="0" anchor="t" anchorCtr="0" compatLnSpc="1">
+            <a:prstTxWarp prst="textNoShape">
+              <a:avLst/>
+            </a:prstTxWarp>
+          </a:bodyPr>
+          <a:lstStyle/>
+          <a:p>
+            <a:pPr marL="0" marR="0" indent="0" algn="l" defTabSz="914400" rtl="0" eaLnBrk="1" fontAlgn="base" latinLnBrk="0" hangingPunct="1">
+              <a:lnSpc>
+                <a:spcPct val="100000"/>
+              </a:lnSpc>
+              <a:spcBef>
+                <a:spcPct val="0"/>
+              </a:spcBef>
+              <a:spcAft>
+                <a:spcPct val="0"/>
+              </a:spcAft>
+              <a:buClrTx/>
+              <a:buSzTx/>
+              <a:buFontTx/>
+              <a:buNone/>
+              <a:tabLst/>
+            </a:pPr>
+            <a:r>
+              <a:rPr kumimoji="0" lang="en-GB" sz="1800" b="0" i="0" u="none" strike="noStrike" cap="none" normalizeH="0" baseline="0" dirty="0">
+                <a:ln>
+                  <a:noFill/>
+                </a:ln>
+                <a:solidFill>
+                  <a:schemeClr val="tx1"/>
+                </a:solidFill>
+                <a:effectLst/>
+                <a:latin typeface="Tahoma" charset="0"/>
+              </a:rPr>
+              <a:t>Object-oriented notation</a:t>
+            </a:r>
+            <a:endParaRPr kumimoji="0" lang="en-GB" sz="1800" b="0" i="0" u="none" strike="noStrike" cap="none" normalizeH="0" baseline="0" dirty="0">
+              <a:ln>
+                <a:noFill/>
+              </a:ln>
+              <a:solidFill>
+                <a:srgbClr val="0070C0"/>
+              </a:solidFill>
+              <a:effectLst/>
+              <a:latin typeface="Menlo" panose="020B0609030804020204" pitchFamily="49" charset="0"/>
+              <a:ea typeface="Menlo" panose="020B0609030804020204" pitchFamily="49" charset="0"/>
+              <a:cs typeface="Menlo" panose="020B0609030804020204" pitchFamily="49" charset="0"/>
+            </a:endParaRPr>
+          </a:p>
+        </p:txBody>
+      </p:sp>
+      <p:cxnSp>
+        <p:nvCxnSpPr>
+          <p:cNvPr id="6" name="Straight Arrow Connector 5">
+            <a:extLst>
+              <a:ext uri="{FF2B5EF4-FFF2-40B4-BE49-F238E27FC236}">
+                <a16:creationId xmlns:a16="http://schemas.microsoft.com/office/drawing/2014/main" id="{E7186CBF-CD43-CFAD-A749-0F8618F6A2D8}"/>
+              </a:ext>
+            </a:extLst>
+          </p:cNvPr>
+          <p:cNvCxnSpPr>
+            <a:cxnSpLocks/>
+            <a:stCxn id="4" idx="0"/>
+          </p:cNvCxnSpPr>
+          <p:nvPr/>
+        </p:nvCxnSpPr>
+        <p:spPr bwMode="auto">
+          <a:xfrm flipH="1" flipV="1">
+            <a:off x="5791200" y="3684668"/>
+            <a:ext cx="342900" cy="292186"/>
+          </a:xfrm>
+          <a:prstGeom prst="straightConnector1">
+            <a:avLst/>
+          </a:prstGeom>
+          <a:solidFill>
+            <a:schemeClr val="accent1"/>
+          </a:solidFill>
+          <a:ln w="15875" cap="flat" cmpd="sng" algn="ctr">
+            <a:solidFill>
+              <a:schemeClr val="tx1"/>
+            </a:solidFill>
+            <a:prstDash val="solid"/>
+            <a:miter lim="800000"/>
+            <a:headEnd type="none" w="med" len="med"/>
+            <a:tailEnd type="triangle" w="lg" len="med"/>
+          </a:ln>
+          <a:effectLst/>
+        </p:spPr>
+      </p:cxnSp>
     </p:spTree>
     <p:extLst>
       <p:ext uri="{BB962C8B-B14F-4D97-AF65-F5344CB8AC3E}">
@@ -6503,6 +6627,449 @@
           </a:prstGeom>
         </p:spPr>
       </p:pic>
+      <p:sp>
+        <p:nvSpPr>
+          <p:cNvPr id="4" name="Rectangle 3">
+            <a:extLst>
+              <a:ext uri="{FF2B5EF4-FFF2-40B4-BE49-F238E27FC236}">
+                <a16:creationId xmlns:a16="http://schemas.microsoft.com/office/drawing/2014/main" id="{AD22DFE1-2B22-1943-B575-F436F770F697}"/>
+              </a:ext>
+            </a:extLst>
+          </p:cNvPr>
+          <p:cNvSpPr/>
+          <p:nvPr/>
+        </p:nvSpPr>
+        <p:spPr bwMode="auto">
+          <a:xfrm>
+            <a:off x="7543800" y="3581400"/>
+            <a:ext cx="1542658" cy="228600"/>
+          </a:xfrm>
+          <a:prstGeom prst="rect">
+            <a:avLst/>
+          </a:prstGeom>
+          <a:noFill/>
+          <a:ln w="25400" cap="flat" cmpd="sng" algn="ctr">
+            <a:solidFill>
+              <a:schemeClr val="tx2">
+                <a:lumMod val="60000"/>
+                <a:lumOff val="40000"/>
+              </a:schemeClr>
+            </a:solidFill>
+            <a:prstDash val="solid"/>
+            <a:miter lim="800000"/>
+            <a:headEnd type="none" w="med" len="med"/>
+            <a:tailEnd type="none" w="med" len="med"/>
+          </a:ln>
+          <a:effectLst/>
+        </p:spPr>
+        <p:txBody>
+          <a:bodyPr vert="horz" wrap="none" lIns="91440" tIns="45720" rIns="91440" bIns="45720" numCol="1" rtlCol="0" anchor="t" anchorCtr="0" compatLnSpc="1">
+            <a:prstTxWarp prst="textNoShape">
+              <a:avLst/>
+            </a:prstTxWarp>
+          </a:bodyPr>
+          <a:lstStyle/>
+          <a:p>
+            <a:pPr marL="0" marR="0" indent="0" algn="l" defTabSz="914400" rtl="0" eaLnBrk="1" fontAlgn="base" latinLnBrk="0" hangingPunct="1">
+              <a:lnSpc>
+                <a:spcPct val="100000"/>
+              </a:lnSpc>
+              <a:spcBef>
+                <a:spcPct val="0"/>
+              </a:spcBef>
+              <a:spcAft>
+                <a:spcPct val="0"/>
+              </a:spcAft>
+              <a:buClrTx/>
+              <a:buSzTx/>
+              <a:buFontTx/>
+              <a:buNone/>
+              <a:tabLst/>
+            </a:pPr>
+            <a:endParaRPr kumimoji="0" lang="en-GB" sz="2400" b="0" i="0" u="none" strike="noStrike" cap="none" normalizeH="0" baseline="0">
+              <a:ln>
+                <a:noFill/>
+              </a:ln>
+              <a:solidFill>
+                <a:schemeClr val="tx1"/>
+              </a:solidFill>
+              <a:effectLst/>
+              <a:latin typeface="Tahoma" charset="0"/>
+            </a:endParaRPr>
+          </a:p>
+        </p:txBody>
+      </p:sp>
+      <p:sp>
+        <p:nvSpPr>
+          <p:cNvPr id="6" name="Rectangle 5">
+            <a:extLst>
+              <a:ext uri="{FF2B5EF4-FFF2-40B4-BE49-F238E27FC236}">
+                <a16:creationId xmlns:a16="http://schemas.microsoft.com/office/drawing/2014/main" id="{EE92C4E3-F4A6-FC32-01E6-B424AB2528A3}"/>
+              </a:ext>
+            </a:extLst>
+          </p:cNvPr>
+          <p:cNvSpPr/>
+          <p:nvPr/>
+        </p:nvSpPr>
+        <p:spPr bwMode="auto">
+          <a:xfrm>
+            <a:off x="6895317" y="4450988"/>
+            <a:ext cx="2020083" cy="654412"/>
+          </a:xfrm>
+          <a:prstGeom prst="rect">
+            <a:avLst/>
+          </a:prstGeom>
+          <a:solidFill>
+            <a:srgbClr val="FFE267"/>
+          </a:solidFill>
+          <a:ln w="9525" cap="flat" cmpd="sng" algn="ctr">
+            <a:solidFill>
+              <a:schemeClr val="tx1"/>
+            </a:solidFill>
+            <a:prstDash val="solid"/>
+            <a:miter lim="800000"/>
+            <a:headEnd type="none" w="med" len="med"/>
+            <a:tailEnd type="none" w="med" len="med"/>
+          </a:ln>
+          <a:effectLst/>
+        </p:spPr>
+        <p:txBody>
+          <a:bodyPr vert="horz" wrap="square" lIns="91440" tIns="45720" rIns="91440" bIns="45720" numCol="1" rtlCol="0" anchor="t" anchorCtr="0" compatLnSpc="1">
+            <a:prstTxWarp prst="textNoShape">
+              <a:avLst/>
+            </a:prstTxWarp>
+          </a:bodyPr>
+          <a:lstStyle/>
+          <a:p>
+            <a:pPr marL="0" marR="0" indent="0" algn="l" defTabSz="914400" rtl="0" eaLnBrk="1" fontAlgn="base" latinLnBrk="0" hangingPunct="1">
+              <a:lnSpc>
+                <a:spcPct val="100000"/>
+              </a:lnSpc>
+              <a:spcBef>
+                <a:spcPct val="0"/>
+              </a:spcBef>
+              <a:spcAft>
+                <a:spcPct val="0"/>
+              </a:spcAft>
+              <a:buClrTx/>
+              <a:buSzTx/>
+              <a:buFontTx/>
+              <a:buNone/>
+              <a:tabLst/>
+            </a:pPr>
+            <a:r>
+              <a:rPr kumimoji="0" lang="en-GB" sz="1800" b="0" i="0" u="none" strike="noStrike" cap="none" normalizeH="0" baseline="0" dirty="0">
+                <a:ln>
+                  <a:noFill/>
+                </a:ln>
+                <a:solidFill>
+                  <a:schemeClr val="tx1"/>
+                </a:solidFill>
+                <a:effectLst/>
+                <a:latin typeface="Tahoma" charset="0"/>
+              </a:rPr>
+              <a:t>Algebraic lemma used for rewriting</a:t>
+            </a:r>
+            <a:endParaRPr kumimoji="0" lang="en-GB" sz="1800" b="0" i="0" u="none" strike="noStrike" cap="none" normalizeH="0" baseline="0" dirty="0">
+              <a:ln>
+                <a:noFill/>
+              </a:ln>
+              <a:solidFill>
+                <a:srgbClr val="0070C0"/>
+              </a:solidFill>
+              <a:effectLst/>
+              <a:latin typeface="Menlo" panose="020B0609030804020204" pitchFamily="49" charset="0"/>
+              <a:ea typeface="Menlo" panose="020B0609030804020204" pitchFamily="49" charset="0"/>
+              <a:cs typeface="Menlo" panose="020B0609030804020204" pitchFamily="49" charset="0"/>
+            </a:endParaRPr>
+          </a:p>
+        </p:txBody>
+      </p:sp>
+      <p:cxnSp>
+        <p:nvCxnSpPr>
+          <p:cNvPr id="7" name="Straight Arrow Connector 6">
+            <a:extLst>
+              <a:ext uri="{FF2B5EF4-FFF2-40B4-BE49-F238E27FC236}">
+                <a16:creationId xmlns:a16="http://schemas.microsoft.com/office/drawing/2014/main" id="{1EAA8B83-DC5F-1788-1A41-370F2098ACA0}"/>
+              </a:ext>
+            </a:extLst>
+          </p:cNvPr>
+          <p:cNvCxnSpPr>
+            <a:cxnSpLocks/>
+            <a:stCxn id="6" idx="0"/>
+            <a:endCxn id="4" idx="2"/>
+          </p:cNvCxnSpPr>
+          <p:nvPr/>
+        </p:nvCxnSpPr>
+        <p:spPr bwMode="auto">
+          <a:xfrm flipV="1">
+            <a:off x="7905359" y="3810000"/>
+            <a:ext cx="409770" cy="640988"/>
+          </a:xfrm>
+          <a:prstGeom prst="straightConnector1">
+            <a:avLst/>
+          </a:prstGeom>
+          <a:solidFill>
+            <a:schemeClr val="accent1"/>
+          </a:solidFill>
+          <a:ln w="15875" cap="flat" cmpd="sng" algn="ctr">
+            <a:solidFill>
+              <a:schemeClr val="tx1"/>
+            </a:solidFill>
+            <a:prstDash val="solid"/>
+            <a:miter lim="800000"/>
+            <a:headEnd type="none" w="med" len="med"/>
+            <a:tailEnd type="triangle" w="lg" len="med"/>
+          </a:ln>
+          <a:effectLst/>
+        </p:spPr>
+      </p:cxnSp>
+      <p:sp>
+        <p:nvSpPr>
+          <p:cNvPr id="13" name="Rectangle 12">
+            <a:extLst>
+              <a:ext uri="{FF2B5EF4-FFF2-40B4-BE49-F238E27FC236}">
+                <a16:creationId xmlns:a16="http://schemas.microsoft.com/office/drawing/2014/main" id="{8299D75E-21AC-3E84-A5F1-BF39052890E9}"/>
+              </a:ext>
+            </a:extLst>
+          </p:cNvPr>
+          <p:cNvSpPr/>
+          <p:nvPr/>
+        </p:nvSpPr>
+        <p:spPr bwMode="auto">
+          <a:xfrm>
+            <a:off x="4343400" y="1783988"/>
+            <a:ext cx="2895600" cy="654412"/>
+          </a:xfrm>
+          <a:prstGeom prst="rect">
+            <a:avLst/>
+          </a:prstGeom>
+          <a:solidFill>
+            <a:srgbClr val="FFE267"/>
+          </a:solidFill>
+          <a:ln w="9525" cap="flat" cmpd="sng" algn="ctr">
+            <a:solidFill>
+              <a:schemeClr val="tx1"/>
+            </a:solidFill>
+            <a:prstDash val="solid"/>
+            <a:miter lim="800000"/>
+            <a:headEnd type="none" w="med" len="med"/>
+            <a:tailEnd type="none" w="med" len="med"/>
+          </a:ln>
+          <a:effectLst/>
+        </p:spPr>
+        <p:txBody>
+          <a:bodyPr vert="horz" wrap="square" lIns="91440" tIns="45720" rIns="91440" bIns="45720" numCol="1" rtlCol="0" anchor="t" anchorCtr="0" compatLnSpc="1">
+            <a:prstTxWarp prst="textNoShape">
+              <a:avLst/>
+            </a:prstTxWarp>
+          </a:bodyPr>
+          <a:lstStyle/>
+          <a:p>
+            <a:pPr marL="0" marR="0" indent="0" algn="l" defTabSz="914400" rtl="0" eaLnBrk="1" fontAlgn="base" latinLnBrk="0" hangingPunct="1">
+              <a:lnSpc>
+                <a:spcPct val="100000"/>
+              </a:lnSpc>
+              <a:spcBef>
+                <a:spcPct val="0"/>
+              </a:spcBef>
+              <a:spcAft>
+                <a:spcPct val="0"/>
+              </a:spcAft>
+              <a:buClrTx/>
+              <a:buSzTx/>
+              <a:buFontTx/>
+              <a:buNone/>
+              <a:tabLst/>
+            </a:pPr>
+            <a:r>
+              <a:rPr kumimoji="0" lang="en-GB" sz="1800" b="0" i="0" u="none" strike="noStrike" cap="none" normalizeH="0" baseline="0" dirty="0">
+                <a:ln>
+                  <a:noFill/>
+                </a:ln>
+                <a:solidFill>
+                  <a:schemeClr val="tx1"/>
+                </a:solidFill>
+                <a:effectLst/>
+                <a:latin typeface="Tahoma" charset="0"/>
+              </a:rPr>
+              <a:t>Algebraic property</a:t>
+            </a:r>
+            <a:br>
+              <a:rPr kumimoji="0" lang="en-GB" sz="1800" b="0" i="0" u="none" strike="noStrike" cap="none" normalizeH="0" baseline="0" dirty="0">
+                <a:ln>
+                  <a:noFill/>
+                </a:ln>
+                <a:solidFill>
+                  <a:schemeClr val="tx1"/>
+                </a:solidFill>
+                <a:effectLst/>
+                <a:latin typeface="Tahoma" charset="0"/>
+              </a:rPr>
+            </a:br>
+            <a:r>
+              <a:rPr kumimoji="0" lang="en-GB" sz="1800" b="0" i="0" u="none" strike="noStrike" cap="none" normalizeH="0" baseline="0" dirty="0">
+                <a:ln>
+                  <a:noFill/>
+                </a:ln>
+                <a:solidFill>
+                  <a:schemeClr val="tx1"/>
+                </a:solidFill>
+                <a:effectLst/>
+                <a:latin typeface="Tahoma" charset="0"/>
+              </a:rPr>
+              <a:t>(can be used for rewriting)</a:t>
+            </a:r>
+            <a:endParaRPr kumimoji="0" lang="en-GB" sz="1800" b="0" i="0" u="none" strike="noStrike" cap="none" normalizeH="0" baseline="0" dirty="0">
+              <a:ln>
+                <a:noFill/>
+              </a:ln>
+              <a:solidFill>
+                <a:srgbClr val="0070C0"/>
+              </a:solidFill>
+              <a:effectLst/>
+              <a:latin typeface="Menlo" panose="020B0609030804020204" pitchFamily="49" charset="0"/>
+              <a:ea typeface="Menlo" panose="020B0609030804020204" pitchFamily="49" charset="0"/>
+              <a:cs typeface="Menlo" panose="020B0609030804020204" pitchFamily="49" charset="0"/>
+            </a:endParaRPr>
+          </a:p>
+        </p:txBody>
+      </p:sp>
+      <p:cxnSp>
+        <p:nvCxnSpPr>
+          <p:cNvPr id="14" name="Straight Arrow Connector 13">
+            <a:extLst>
+              <a:ext uri="{FF2B5EF4-FFF2-40B4-BE49-F238E27FC236}">
+                <a16:creationId xmlns:a16="http://schemas.microsoft.com/office/drawing/2014/main" id="{ECC42C0E-2681-A378-57C9-A9AFF7DE6493}"/>
+              </a:ext>
+            </a:extLst>
+          </p:cNvPr>
+          <p:cNvCxnSpPr>
+            <a:cxnSpLocks/>
+            <a:stCxn id="13" idx="1"/>
+          </p:cNvCxnSpPr>
+          <p:nvPr/>
+        </p:nvCxnSpPr>
+        <p:spPr bwMode="auto">
+          <a:xfrm flipH="1" flipV="1">
+            <a:off x="3124200" y="2057400"/>
+            <a:ext cx="1219200" cy="53794"/>
+          </a:xfrm>
+          <a:prstGeom prst="straightConnector1">
+            <a:avLst/>
+          </a:prstGeom>
+          <a:solidFill>
+            <a:schemeClr val="accent1"/>
+          </a:solidFill>
+          <a:ln w="15875" cap="flat" cmpd="sng" algn="ctr">
+            <a:solidFill>
+              <a:schemeClr val="tx1"/>
+            </a:solidFill>
+            <a:prstDash val="solid"/>
+            <a:miter lim="800000"/>
+            <a:headEnd type="none" w="med" len="med"/>
+            <a:tailEnd type="triangle" w="lg" len="med"/>
+          </a:ln>
+          <a:effectLst/>
+        </p:spPr>
+      </p:cxnSp>
+      <p:sp>
+        <p:nvSpPr>
+          <p:cNvPr id="19" name="Rectangle 18">
+            <a:extLst>
+              <a:ext uri="{FF2B5EF4-FFF2-40B4-BE49-F238E27FC236}">
+                <a16:creationId xmlns:a16="http://schemas.microsoft.com/office/drawing/2014/main" id="{E2DF5144-B554-299A-B18F-429A51CF967A}"/>
+              </a:ext>
+            </a:extLst>
+          </p:cNvPr>
+          <p:cNvSpPr/>
+          <p:nvPr/>
+        </p:nvSpPr>
+        <p:spPr bwMode="auto">
+          <a:xfrm>
+            <a:off x="576000" y="5461660"/>
+            <a:ext cx="2133600" cy="381000"/>
+          </a:xfrm>
+          <a:prstGeom prst="rect">
+            <a:avLst/>
+          </a:prstGeom>
+          <a:solidFill>
+            <a:srgbClr val="FFE267"/>
+          </a:solidFill>
+          <a:ln w="25400" cap="flat" cmpd="sng" algn="ctr">
+            <a:solidFill>
+              <a:srgbClr val="C00000"/>
+            </a:solidFill>
+            <a:prstDash val="solid"/>
+            <a:miter lim="800000"/>
+            <a:headEnd type="none" w="med" len="med"/>
+            <a:tailEnd type="none" w="med" len="med"/>
+          </a:ln>
+          <a:effectLst/>
+        </p:spPr>
+        <p:txBody>
+          <a:bodyPr vert="horz" wrap="none" lIns="91440" tIns="45720" rIns="91440" bIns="45720" numCol="1" rtlCol="0" anchor="t" anchorCtr="0" compatLnSpc="1">
+            <a:prstTxWarp prst="textNoShape">
+              <a:avLst/>
+            </a:prstTxWarp>
+          </a:bodyPr>
+          <a:lstStyle/>
+          <a:p>
+            <a:pPr marL="0" marR="0" indent="0" algn="l" defTabSz="914400" rtl="0" eaLnBrk="1" fontAlgn="base" latinLnBrk="0" hangingPunct="1">
+              <a:lnSpc>
+                <a:spcPct val="100000"/>
+              </a:lnSpc>
+              <a:spcBef>
+                <a:spcPct val="0"/>
+              </a:spcBef>
+              <a:spcAft>
+                <a:spcPct val="0"/>
+              </a:spcAft>
+              <a:buClrTx/>
+              <a:buSzTx/>
+              <a:buFontTx/>
+              <a:buNone/>
+              <a:tabLst/>
+            </a:pPr>
+            <a:r>
+              <a:rPr kumimoji="0" lang="en-GB" sz="1800" b="0" i="0" u="none" strike="noStrike" cap="none" normalizeH="0" baseline="0" dirty="0">
+                <a:ln>
+                  <a:noFill/>
+                </a:ln>
+                <a:solidFill>
+                  <a:schemeClr val="tx1"/>
+                </a:solidFill>
+                <a:effectLst/>
+                <a:latin typeface="Tahoma" charset="0"/>
+              </a:rPr>
+              <a:t>File: </a:t>
+            </a:r>
+            <a:r>
+              <a:rPr kumimoji="0" lang="en-GB" sz="1800" b="0" i="0" u="none" strike="noStrike" cap="none" normalizeH="0" baseline="0" dirty="0" err="1">
+                <a:ln>
+                  <a:noFill/>
+                </a:ln>
+                <a:solidFill>
+                  <a:schemeClr val="tx1"/>
+                </a:solidFill>
+                <a:effectLst/>
+                <a:latin typeface="Tahoma" charset="0"/>
+              </a:rPr>
+              <a:t>List_induct.sc</a:t>
+            </a:r>
+            <a:endParaRPr kumimoji="0" lang="en-GB" sz="1800" b="0" i="0" u="none" strike="noStrike" cap="none" normalizeH="0" baseline="0" dirty="0">
+              <a:ln>
+                <a:noFill/>
+              </a:ln>
+              <a:solidFill>
+                <a:schemeClr val="tx1"/>
+              </a:solidFill>
+              <a:effectLst/>
+              <a:latin typeface="Tahoma" charset="0"/>
+            </a:endParaRPr>
+          </a:p>
+        </p:txBody>
+      </p:sp>
     </p:spTree>
     <p:extLst>
       <p:ext uri="{BB962C8B-B14F-4D97-AF65-F5344CB8AC3E}">
@@ -6747,6 +7314,80 @@
             <a:r>
               <a:rPr lang="en-US" sz="1600" dirty="0"/>
               <a:t> case using a series of deductions, starting with the premises of the case </a:t>
+            </a:r>
+          </a:p>
+        </p:txBody>
+      </p:sp>
+      <p:sp>
+        <p:nvSpPr>
+          <p:cNvPr id="8" name="Rectangle 7">
+            <a:extLst>
+              <a:ext uri="{FF2B5EF4-FFF2-40B4-BE49-F238E27FC236}">
+                <a16:creationId xmlns:a16="http://schemas.microsoft.com/office/drawing/2014/main" id="{45325BD0-E2FA-7FFC-6992-565F315D7231}"/>
+              </a:ext>
+            </a:extLst>
+          </p:cNvPr>
+          <p:cNvSpPr/>
+          <p:nvPr/>
+        </p:nvSpPr>
+        <p:spPr bwMode="auto">
+          <a:xfrm>
+            <a:off x="576000" y="5461660"/>
+            <a:ext cx="3157800" cy="381000"/>
+          </a:xfrm>
+          <a:prstGeom prst="rect">
+            <a:avLst/>
+          </a:prstGeom>
+          <a:solidFill>
+            <a:srgbClr val="FFE267"/>
+          </a:solidFill>
+          <a:ln w="25400" cap="flat" cmpd="sng" algn="ctr">
+            <a:solidFill>
+              <a:srgbClr val="C00000"/>
+            </a:solidFill>
+            <a:prstDash val="solid"/>
+            <a:miter lim="800000"/>
+            <a:headEnd type="none" w="med" len="med"/>
+            <a:tailEnd type="none" w="med" len="med"/>
+          </a:ln>
+          <a:effectLst/>
+        </p:spPr>
+        <p:txBody>
+          <a:bodyPr vert="horz" wrap="none" lIns="91440" tIns="45720" rIns="91440" bIns="45720" numCol="1" rtlCol="0" anchor="t" anchorCtr="0" compatLnSpc="1">
+            <a:prstTxWarp prst="textNoShape">
+              <a:avLst/>
+            </a:prstTxWarp>
+          </a:bodyPr>
+          <a:lstStyle/>
+          <a:p>
+            <a:pPr marL="0" marR="0" indent="0" algn="l" defTabSz="914400" rtl="0" eaLnBrk="1" fontAlgn="base" latinLnBrk="0" hangingPunct="1">
+              <a:lnSpc>
+                <a:spcPct val="100000"/>
+              </a:lnSpc>
+              <a:spcBef>
+                <a:spcPct val="0"/>
+              </a:spcBef>
+              <a:spcAft>
+                <a:spcPct val="0"/>
+              </a:spcAft>
+              <a:buClrTx/>
+              <a:buSzTx/>
+              <a:buFontTx/>
+              <a:buNone/>
+              <a:tabLst/>
+            </a:pPr>
+            <a:r>
+              <a:rPr kumimoji="0" lang="en-GB" sz="1800" b="0" i="0" u="none" strike="noStrike" cap="none" normalizeH="0" baseline="0" dirty="0">
+                <a:ln>
+                  <a:noFill/>
+                </a:ln>
+                <a:solidFill>
+                  <a:schemeClr val="tx1"/>
+                </a:solidFill>
+                <a:effectLst/>
+                <a:latin typeface="Tahoma" charset="0"/>
+              </a:rPr>
+              <a:t>File: A01_03_List_Exercise.sc</a:t>
             </a:r>
           </a:p>
         </p:txBody>
